--- a/WALMART PPT.pptx
+++ b/WALMART PPT.pptx
@@ -6,10 +6,28 @@
   </p:sldMasterIdLst>
   <p:sldIdLst>
     <p:sldId id="256" r:id="rId2"/>
-    <p:sldId id="257" r:id="rId3"/>
-    <p:sldId id="258" r:id="rId4"/>
-    <p:sldId id="259" r:id="rId5"/>
-    <p:sldId id="260" r:id="rId6"/>
+    <p:sldId id="277" r:id="rId3"/>
+    <p:sldId id="262" r:id="rId4"/>
+    <p:sldId id="263" r:id="rId5"/>
+    <p:sldId id="264" r:id="rId6"/>
+    <p:sldId id="265" r:id="rId7"/>
+    <p:sldId id="266" r:id="rId8"/>
+    <p:sldId id="267" r:id="rId9"/>
+    <p:sldId id="268" r:id="rId10"/>
+    <p:sldId id="257" r:id="rId11"/>
+    <p:sldId id="274" r:id="rId12"/>
+    <p:sldId id="275" r:id="rId13"/>
+    <p:sldId id="276" r:id="rId14"/>
+    <p:sldId id="278" r:id="rId15"/>
+    <p:sldId id="279" r:id="rId16"/>
+    <p:sldId id="280" r:id="rId17"/>
+    <p:sldId id="281" r:id="rId18"/>
+    <p:sldId id="271" r:id="rId19"/>
+    <p:sldId id="269" r:id="rId20"/>
+    <p:sldId id="270" r:id="rId21"/>
+    <p:sldId id="272" r:id="rId22"/>
+    <p:sldId id="273" r:id="rId23"/>
+    <p:sldId id="282" r:id="rId24"/>
   </p:sldIdLst>
   <p:sldSz cx="12192000" cy="6858000"/>
   <p:notesSz cx="6858000" cy="9144000"/>
@@ -108,7 +126,718 @@
       </a:defRPr>
     </a:lvl9pPr>
   </p:defaultTextStyle>
+  <p:extLst>
+    <p:ext uri="{EFAFB233-063F-42B5-8137-9DF3F51BA10A}">
+      <p15:sldGuideLst xmlns:p15="http://schemas.microsoft.com/office/powerpoint/2012/main"/>
+    </p:ext>
+  </p:extLst>
 </p:presentation>
+</file>
+
+<file path=ppt/changesInfos/changesInfo1.xml><?xml version="1.0" encoding="utf-8"?>
+<pc:chgInfo xmlns:a="http://schemas.openxmlformats.org/drawingml/2006/main" xmlns:r="http://schemas.openxmlformats.org/officeDocument/2006/relationships" xmlns:ac="http://schemas.microsoft.com/office/drawing/2013/main/command" xmlns:pc="http://schemas.microsoft.com/office/powerpoint/2013/main/command">
+  <pc:docChgLst>
+    <pc:chgData name="Leon Anthony" userId="e3054cf65c0aa08a" providerId="LiveId" clId="{66BF8A59-205D-463D-9160-E9DD9E2F426C}"/>
+    <pc:docChg chg="undo custSel addSld delSld modSld sldOrd">
+      <pc:chgData name="Leon Anthony" userId="e3054cf65c0aa08a" providerId="LiveId" clId="{66BF8A59-205D-463D-9160-E9DD9E2F426C}" dt="2024-05-27T18:36:32.094" v="2580" actId="1076"/>
+      <pc:docMkLst>
+        <pc:docMk/>
+      </pc:docMkLst>
+      <pc:sldChg chg="ord">
+        <pc:chgData name="Leon Anthony" userId="e3054cf65c0aa08a" providerId="LiveId" clId="{66BF8A59-205D-463D-9160-E9DD9E2F426C}" dt="2024-05-27T17:58:19.963" v="2338"/>
+        <pc:sldMkLst>
+          <pc:docMk/>
+          <pc:sldMk cId="1806722379" sldId="257"/>
+        </pc:sldMkLst>
+      </pc:sldChg>
+      <pc:sldChg chg="del">
+        <pc:chgData name="Leon Anthony" userId="e3054cf65c0aa08a" providerId="LiveId" clId="{66BF8A59-205D-463D-9160-E9DD9E2F426C}" dt="2024-05-27T17:18:16.235" v="1975" actId="2696"/>
+        <pc:sldMkLst>
+          <pc:docMk/>
+          <pc:sldMk cId="3989286730" sldId="258"/>
+        </pc:sldMkLst>
+      </pc:sldChg>
+      <pc:sldChg chg="del">
+        <pc:chgData name="Leon Anthony" userId="e3054cf65c0aa08a" providerId="LiveId" clId="{66BF8A59-205D-463D-9160-E9DD9E2F426C}" dt="2024-05-27T17:21:45.264" v="2009" actId="2696"/>
+        <pc:sldMkLst>
+          <pc:docMk/>
+          <pc:sldMk cId="2574319102" sldId="259"/>
+        </pc:sldMkLst>
+      </pc:sldChg>
+      <pc:sldChg chg="del">
+        <pc:chgData name="Leon Anthony" userId="e3054cf65c0aa08a" providerId="LiveId" clId="{66BF8A59-205D-463D-9160-E9DD9E2F426C}" dt="2024-05-27T17:18:21.934" v="1976" actId="2696"/>
+        <pc:sldMkLst>
+          <pc:docMk/>
+          <pc:sldMk cId="346328262" sldId="260"/>
+        </pc:sldMkLst>
+      </pc:sldChg>
+      <pc:sldChg chg="addSp delSp modSp new del mod modClrScheme chgLayout">
+        <pc:chgData name="Leon Anthony" userId="e3054cf65c0aa08a" providerId="LiveId" clId="{66BF8A59-205D-463D-9160-E9DD9E2F426C}" dt="2024-05-27T13:15:18.161" v="182" actId="2696"/>
+        <pc:sldMkLst>
+          <pc:docMk/>
+          <pc:sldMk cId="938255923" sldId="261"/>
+        </pc:sldMkLst>
+        <pc:spChg chg="del">
+          <ac:chgData name="Leon Anthony" userId="e3054cf65c0aa08a" providerId="LiveId" clId="{66BF8A59-205D-463D-9160-E9DD9E2F426C}" dt="2024-05-27T12:59:42.536" v="3" actId="700"/>
+          <ac:spMkLst>
+            <pc:docMk/>
+            <pc:sldMk cId="938255923" sldId="261"/>
+            <ac:spMk id="2" creationId="{43F47E14-117E-6DF9-C2E9-411D72D5569E}"/>
+          </ac:spMkLst>
+        </pc:spChg>
+        <pc:spChg chg="add mod">
+          <ac:chgData name="Leon Anthony" userId="e3054cf65c0aa08a" providerId="LiveId" clId="{66BF8A59-205D-463D-9160-E9DD9E2F426C}" dt="2024-05-27T13:12:15.089" v="149" actId="255"/>
+          <ac:spMkLst>
+            <pc:docMk/>
+            <pc:sldMk cId="938255923" sldId="261"/>
+            <ac:spMk id="7" creationId="{9CCD17DA-1864-C3D5-FC4A-178B75A19556}"/>
+          </ac:spMkLst>
+        </pc:spChg>
+        <pc:picChg chg="add del">
+          <ac:chgData name="Leon Anthony" userId="e3054cf65c0aa08a" providerId="LiveId" clId="{66BF8A59-205D-463D-9160-E9DD9E2F426C}" dt="2024-05-27T12:59:33.418" v="2" actId="22"/>
+          <ac:picMkLst>
+            <pc:docMk/>
+            <pc:sldMk cId="938255923" sldId="261"/>
+            <ac:picMk id="4" creationId="{305E48B4-87E3-34DF-5425-594D343D1B26}"/>
+          </ac:picMkLst>
+        </pc:picChg>
+        <pc:picChg chg="add mod">
+          <ac:chgData name="Leon Anthony" userId="e3054cf65c0aa08a" providerId="LiveId" clId="{66BF8A59-205D-463D-9160-E9DD9E2F426C}" dt="2024-05-27T13:10:11.966" v="146" actId="14100"/>
+          <ac:picMkLst>
+            <pc:docMk/>
+            <pc:sldMk cId="938255923" sldId="261"/>
+            <ac:picMk id="6" creationId="{37357730-D3ED-E9C2-A564-BE77A8A6D41D}"/>
+          </ac:picMkLst>
+        </pc:picChg>
+      </pc:sldChg>
+      <pc:sldChg chg="addSp delSp modSp add mod">
+        <pc:chgData name="Leon Anthony" userId="e3054cf65c0aa08a" providerId="LiveId" clId="{66BF8A59-205D-463D-9160-E9DD9E2F426C}" dt="2024-05-27T13:14:51.282" v="181" actId="20577"/>
+        <pc:sldMkLst>
+          <pc:docMk/>
+          <pc:sldMk cId="3608983043" sldId="262"/>
+        </pc:sldMkLst>
+        <pc:spChg chg="add mod">
+          <ac:chgData name="Leon Anthony" userId="e3054cf65c0aa08a" providerId="LiveId" clId="{66BF8A59-205D-463D-9160-E9DD9E2F426C}" dt="2024-05-27T13:14:51.282" v="181" actId="20577"/>
+          <ac:spMkLst>
+            <pc:docMk/>
+            <pc:sldMk cId="3608983043" sldId="262"/>
+            <ac:spMk id="3" creationId="{A053964C-4582-DA0B-21C7-B0816A1E7638}"/>
+          </ac:spMkLst>
+        </pc:spChg>
+        <pc:spChg chg="add del mod">
+          <ac:chgData name="Leon Anthony" userId="e3054cf65c0aa08a" providerId="LiveId" clId="{66BF8A59-205D-463D-9160-E9DD9E2F426C}" dt="2024-05-27T13:14:11.365" v="163"/>
+          <ac:spMkLst>
+            <pc:docMk/>
+            <pc:sldMk cId="3608983043" sldId="262"/>
+            <ac:spMk id="4" creationId="{8C4752BC-18E0-D29E-379A-658342BECA3C}"/>
+          </ac:spMkLst>
+        </pc:spChg>
+        <pc:spChg chg="del mod">
+          <ac:chgData name="Leon Anthony" userId="e3054cf65c0aa08a" providerId="LiveId" clId="{66BF8A59-205D-463D-9160-E9DD9E2F426C}" dt="2024-05-27T13:13:16.240" v="156"/>
+          <ac:spMkLst>
+            <pc:docMk/>
+            <pc:sldMk cId="3608983043" sldId="262"/>
+            <ac:spMk id="7" creationId="{9CCD17DA-1864-C3D5-FC4A-178B75A19556}"/>
+          </ac:spMkLst>
+        </pc:spChg>
+        <pc:picChg chg="mod">
+          <ac:chgData name="Leon Anthony" userId="e3054cf65c0aa08a" providerId="LiveId" clId="{66BF8A59-205D-463D-9160-E9DD9E2F426C}" dt="2024-05-27T13:13:51.389" v="160" actId="1076"/>
+          <ac:picMkLst>
+            <pc:docMk/>
+            <pc:sldMk cId="3608983043" sldId="262"/>
+            <ac:picMk id="6" creationId="{37357730-D3ED-E9C2-A564-BE77A8A6D41D}"/>
+          </ac:picMkLst>
+        </pc:picChg>
+      </pc:sldChg>
+      <pc:sldChg chg="addSp delSp modSp add mod">
+        <pc:chgData name="Leon Anthony" userId="e3054cf65c0aa08a" providerId="LiveId" clId="{66BF8A59-205D-463D-9160-E9DD9E2F426C}" dt="2024-05-27T13:23:22.647" v="354" actId="20577"/>
+        <pc:sldMkLst>
+          <pc:docMk/>
+          <pc:sldMk cId="4183346757" sldId="263"/>
+        </pc:sldMkLst>
+        <pc:spChg chg="mod">
+          <ac:chgData name="Leon Anthony" userId="e3054cf65c0aa08a" providerId="LiveId" clId="{66BF8A59-205D-463D-9160-E9DD9E2F426C}" dt="2024-05-27T13:23:22.647" v="354" actId="20577"/>
+          <ac:spMkLst>
+            <pc:docMk/>
+            <pc:sldMk cId="4183346757" sldId="263"/>
+            <ac:spMk id="3" creationId="{A053964C-4582-DA0B-21C7-B0816A1E7638}"/>
+          </ac:spMkLst>
+        </pc:spChg>
+        <pc:picChg chg="add mod">
+          <ac:chgData name="Leon Anthony" userId="e3054cf65c0aa08a" providerId="LiveId" clId="{66BF8A59-205D-463D-9160-E9DD9E2F426C}" dt="2024-05-27T13:22:27.318" v="326" actId="14100"/>
+          <ac:picMkLst>
+            <pc:docMk/>
+            <pc:sldMk cId="4183346757" sldId="263"/>
+            <ac:picMk id="4" creationId="{A7676FCF-6918-2287-B760-CA5E6C317A0A}"/>
+          </ac:picMkLst>
+        </pc:picChg>
+        <pc:picChg chg="del">
+          <ac:chgData name="Leon Anthony" userId="e3054cf65c0aa08a" providerId="LiveId" clId="{66BF8A59-205D-463D-9160-E9DD9E2F426C}" dt="2024-05-27T13:17:36.211" v="185" actId="478"/>
+          <ac:picMkLst>
+            <pc:docMk/>
+            <pc:sldMk cId="4183346757" sldId="263"/>
+            <ac:picMk id="6" creationId="{37357730-D3ED-E9C2-A564-BE77A8A6D41D}"/>
+          </ac:picMkLst>
+        </pc:picChg>
+      </pc:sldChg>
+      <pc:sldChg chg="add">
+        <pc:chgData name="Leon Anthony" userId="e3054cf65c0aa08a" providerId="LiveId" clId="{66BF8A59-205D-463D-9160-E9DD9E2F426C}" dt="2024-05-27T13:23:37.518" v="355" actId="2890"/>
+        <pc:sldMkLst>
+          <pc:docMk/>
+          <pc:sldMk cId="1419719773" sldId="264"/>
+        </pc:sldMkLst>
+      </pc:sldChg>
+      <pc:sldChg chg="addSp delSp modSp add mod">
+        <pc:chgData name="Leon Anthony" userId="e3054cf65c0aa08a" providerId="LiveId" clId="{66BF8A59-205D-463D-9160-E9DD9E2F426C}" dt="2024-05-27T13:34:48.795" v="565" actId="255"/>
+        <pc:sldMkLst>
+          <pc:docMk/>
+          <pc:sldMk cId="3921434842" sldId="265"/>
+        </pc:sldMkLst>
+        <pc:spChg chg="mod">
+          <ac:chgData name="Leon Anthony" userId="e3054cf65c0aa08a" providerId="LiveId" clId="{66BF8A59-205D-463D-9160-E9DD9E2F426C}" dt="2024-05-27T13:34:40.206" v="564" actId="255"/>
+          <ac:spMkLst>
+            <pc:docMk/>
+            <pc:sldMk cId="3921434842" sldId="265"/>
+            <ac:spMk id="3" creationId="{A053964C-4582-DA0B-21C7-B0816A1E7638}"/>
+          </ac:spMkLst>
+        </pc:spChg>
+        <pc:spChg chg="add mod">
+          <ac:chgData name="Leon Anthony" userId="e3054cf65c0aa08a" providerId="LiveId" clId="{66BF8A59-205D-463D-9160-E9DD9E2F426C}" dt="2024-05-27T13:34:48.795" v="565" actId="255"/>
+          <ac:spMkLst>
+            <pc:docMk/>
+            <pc:sldMk cId="3921434842" sldId="265"/>
+            <ac:spMk id="8" creationId="{4D1BD13F-9D34-BDA4-2385-7FAFBF8AFF05}"/>
+          </ac:spMkLst>
+        </pc:spChg>
+        <pc:picChg chg="del">
+          <ac:chgData name="Leon Anthony" userId="e3054cf65c0aa08a" providerId="LiveId" clId="{66BF8A59-205D-463D-9160-E9DD9E2F426C}" dt="2024-05-27T13:26:41.250" v="359" actId="478"/>
+          <ac:picMkLst>
+            <pc:docMk/>
+            <pc:sldMk cId="3921434842" sldId="265"/>
+            <ac:picMk id="4" creationId="{A7676FCF-6918-2287-B760-CA5E6C317A0A}"/>
+          </ac:picMkLst>
+        </pc:picChg>
+        <pc:picChg chg="add del">
+          <ac:chgData name="Leon Anthony" userId="e3054cf65c0aa08a" providerId="LiveId" clId="{66BF8A59-205D-463D-9160-E9DD9E2F426C}" dt="2024-05-27T13:26:37.397" v="358" actId="22"/>
+          <ac:picMkLst>
+            <pc:docMk/>
+            <pc:sldMk cId="3921434842" sldId="265"/>
+            <ac:picMk id="5" creationId="{021C7E72-B9C6-504C-B8A3-76FA3FE92E8E}"/>
+          </ac:picMkLst>
+        </pc:picChg>
+        <pc:picChg chg="add mod">
+          <ac:chgData name="Leon Anthony" userId="e3054cf65c0aa08a" providerId="LiveId" clId="{66BF8A59-205D-463D-9160-E9DD9E2F426C}" dt="2024-05-27T13:28:25.345" v="367" actId="14100"/>
+          <ac:picMkLst>
+            <pc:docMk/>
+            <pc:sldMk cId="3921434842" sldId="265"/>
+            <ac:picMk id="7" creationId="{7B109928-8375-B070-6632-0F07364F8D92}"/>
+          </ac:picMkLst>
+        </pc:picChg>
+      </pc:sldChg>
+      <pc:sldChg chg="addSp delSp modSp add mod">
+        <pc:chgData name="Leon Anthony" userId="e3054cf65c0aa08a" providerId="LiveId" clId="{66BF8A59-205D-463D-9160-E9DD9E2F426C}" dt="2024-05-27T13:54:28.333" v="946" actId="20577"/>
+        <pc:sldMkLst>
+          <pc:docMk/>
+          <pc:sldMk cId="2907559524" sldId="266"/>
+        </pc:sldMkLst>
+        <pc:spChg chg="mod">
+          <ac:chgData name="Leon Anthony" userId="e3054cf65c0aa08a" providerId="LiveId" clId="{66BF8A59-205D-463D-9160-E9DD9E2F426C}" dt="2024-05-27T13:54:28.333" v="946" actId="20577"/>
+          <ac:spMkLst>
+            <pc:docMk/>
+            <pc:sldMk cId="2907559524" sldId="266"/>
+            <ac:spMk id="3" creationId="{A053964C-4582-DA0B-21C7-B0816A1E7638}"/>
+          </ac:spMkLst>
+        </pc:spChg>
+        <pc:spChg chg="del mod">
+          <ac:chgData name="Leon Anthony" userId="e3054cf65c0aa08a" providerId="LiveId" clId="{66BF8A59-205D-463D-9160-E9DD9E2F426C}" dt="2024-05-27T13:42:36.922" v="595" actId="478"/>
+          <ac:spMkLst>
+            <pc:docMk/>
+            <pc:sldMk cId="2907559524" sldId="266"/>
+            <ac:spMk id="8" creationId="{4D1BD13F-9D34-BDA4-2385-7FAFBF8AFF05}"/>
+          </ac:spMkLst>
+        </pc:spChg>
+        <pc:picChg chg="add del mod">
+          <ac:chgData name="Leon Anthony" userId="e3054cf65c0aa08a" providerId="LiveId" clId="{66BF8A59-205D-463D-9160-E9DD9E2F426C}" dt="2024-05-27T13:40:17.969" v="587" actId="478"/>
+          <ac:picMkLst>
+            <pc:docMk/>
+            <pc:sldMk cId="2907559524" sldId="266"/>
+            <ac:picMk id="4" creationId="{74A1074D-9352-EFA4-3056-9DC2E2E17BC1}"/>
+          </ac:picMkLst>
+        </pc:picChg>
+        <pc:picChg chg="add mod">
+          <ac:chgData name="Leon Anthony" userId="e3054cf65c0aa08a" providerId="LiveId" clId="{66BF8A59-205D-463D-9160-E9DD9E2F426C}" dt="2024-05-27T13:42:17.539" v="593" actId="14100"/>
+          <ac:picMkLst>
+            <pc:docMk/>
+            <pc:sldMk cId="2907559524" sldId="266"/>
+            <ac:picMk id="6" creationId="{88570BDB-A62D-6FDF-7686-338950D84A02}"/>
+          </ac:picMkLst>
+        </pc:picChg>
+        <pc:picChg chg="del">
+          <ac:chgData name="Leon Anthony" userId="e3054cf65c0aa08a" providerId="LiveId" clId="{66BF8A59-205D-463D-9160-E9DD9E2F426C}" dt="2024-05-27T13:36:21.666" v="567" actId="478"/>
+          <ac:picMkLst>
+            <pc:docMk/>
+            <pc:sldMk cId="2907559524" sldId="266"/>
+            <ac:picMk id="7" creationId="{7B109928-8375-B070-6632-0F07364F8D92}"/>
+          </ac:picMkLst>
+        </pc:picChg>
+      </pc:sldChg>
+      <pc:sldChg chg="addSp delSp modSp add mod">
+        <pc:chgData name="Leon Anthony" userId="e3054cf65c0aa08a" providerId="LiveId" clId="{66BF8A59-205D-463D-9160-E9DD9E2F426C}" dt="2024-05-27T14:00:26.193" v="1162" actId="14100"/>
+        <pc:sldMkLst>
+          <pc:docMk/>
+          <pc:sldMk cId="551310716" sldId="267"/>
+        </pc:sldMkLst>
+        <pc:spChg chg="mod">
+          <ac:chgData name="Leon Anthony" userId="e3054cf65c0aa08a" providerId="LiveId" clId="{66BF8A59-205D-463D-9160-E9DD9E2F426C}" dt="2024-05-27T14:00:20.134" v="1161" actId="20577"/>
+          <ac:spMkLst>
+            <pc:docMk/>
+            <pc:sldMk cId="551310716" sldId="267"/>
+            <ac:spMk id="3" creationId="{A053964C-4582-DA0B-21C7-B0816A1E7638}"/>
+          </ac:spMkLst>
+        </pc:spChg>
+        <pc:picChg chg="add mod">
+          <ac:chgData name="Leon Anthony" userId="e3054cf65c0aa08a" providerId="LiveId" clId="{66BF8A59-205D-463D-9160-E9DD9E2F426C}" dt="2024-05-27T14:00:26.193" v="1162" actId="14100"/>
+          <ac:picMkLst>
+            <pc:docMk/>
+            <pc:sldMk cId="551310716" sldId="267"/>
+            <ac:picMk id="4" creationId="{627BAE62-4C35-3D28-F73D-42986E02C0CB}"/>
+          </ac:picMkLst>
+        </pc:picChg>
+        <pc:picChg chg="del">
+          <ac:chgData name="Leon Anthony" userId="e3054cf65c0aa08a" providerId="LiveId" clId="{66BF8A59-205D-463D-9160-E9DD9E2F426C}" dt="2024-05-27T13:56:04.706" v="948" actId="478"/>
+          <ac:picMkLst>
+            <pc:docMk/>
+            <pc:sldMk cId="551310716" sldId="267"/>
+            <ac:picMk id="6" creationId="{88570BDB-A62D-6FDF-7686-338950D84A02}"/>
+          </ac:picMkLst>
+        </pc:picChg>
+      </pc:sldChg>
+      <pc:sldChg chg="addSp delSp modSp add mod">
+        <pc:chgData name="Leon Anthony" userId="e3054cf65c0aa08a" providerId="LiveId" clId="{66BF8A59-205D-463D-9160-E9DD9E2F426C}" dt="2024-05-27T14:08:58.723" v="1434" actId="313"/>
+        <pc:sldMkLst>
+          <pc:docMk/>
+          <pc:sldMk cId="3784061658" sldId="268"/>
+        </pc:sldMkLst>
+        <pc:spChg chg="mod">
+          <ac:chgData name="Leon Anthony" userId="e3054cf65c0aa08a" providerId="LiveId" clId="{66BF8A59-205D-463D-9160-E9DD9E2F426C}" dt="2024-05-27T14:08:58.723" v="1434" actId="313"/>
+          <ac:spMkLst>
+            <pc:docMk/>
+            <pc:sldMk cId="3784061658" sldId="268"/>
+            <ac:spMk id="3" creationId="{A053964C-4582-DA0B-21C7-B0816A1E7638}"/>
+          </ac:spMkLst>
+        </pc:spChg>
+        <pc:picChg chg="del">
+          <ac:chgData name="Leon Anthony" userId="e3054cf65c0aa08a" providerId="LiveId" clId="{66BF8A59-205D-463D-9160-E9DD9E2F426C}" dt="2024-05-27T14:01:56.710" v="1164" actId="478"/>
+          <ac:picMkLst>
+            <pc:docMk/>
+            <pc:sldMk cId="3784061658" sldId="268"/>
+            <ac:picMk id="4" creationId="{627BAE62-4C35-3D28-F73D-42986E02C0CB}"/>
+          </ac:picMkLst>
+        </pc:picChg>
+        <pc:picChg chg="add mod">
+          <ac:chgData name="Leon Anthony" userId="e3054cf65c0aa08a" providerId="LiveId" clId="{66BF8A59-205D-463D-9160-E9DD9E2F426C}" dt="2024-05-27T14:03:42.398" v="1177" actId="14100"/>
+          <ac:picMkLst>
+            <pc:docMk/>
+            <pc:sldMk cId="3784061658" sldId="268"/>
+            <ac:picMk id="5" creationId="{A3800601-931D-5F72-DE96-ECAA13AF112C}"/>
+          </ac:picMkLst>
+        </pc:picChg>
+      </pc:sldChg>
+      <pc:sldChg chg="addSp delSp modSp add mod">
+        <pc:chgData name="Leon Anthony" userId="e3054cf65c0aa08a" providerId="LiveId" clId="{66BF8A59-205D-463D-9160-E9DD9E2F426C}" dt="2024-05-27T16:57:45.271" v="1607" actId="1076"/>
+        <pc:sldMkLst>
+          <pc:docMk/>
+          <pc:sldMk cId="740154521" sldId="269"/>
+        </pc:sldMkLst>
+        <pc:spChg chg="del mod">
+          <ac:chgData name="Leon Anthony" userId="e3054cf65c0aa08a" providerId="LiveId" clId="{66BF8A59-205D-463D-9160-E9DD9E2F426C}" dt="2024-05-27T16:41:15.828" v="1446"/>
+          <ac:spMkLst>
+            <pc:docMk/>
+            <pc:sldMk cId="740154521" sldId="269"/>
+            <ac:spMk id="3" creationId="{A053964C-4582-DA0B-21C7-B0816A1E7638}"/>
+          </ac:spMkLst>
+        </pc:spChg>
+        <pc:spChg chg="add mod">
+          <ac:chgData name="Leon Anthony" userId="e3054cf65c0aa08a" providerId="LiveId" clId="{66BF8A59-205D-463D-9160-E9DD9E2F426C}" dt="2024-05-27T16:57:45.271" v="1607" actId="1076"/>
+          <ac:spMkLst>
+            <pc:docMk/>
+            <pc:sldMk cId="740154521" sldId="269"/>
+            <ac:spMk id="8" creationId="{6F366729-9D14-A20B-6DAF-F61414E8EA8B}"/>
+          </ac:spMkLst>
+        </pc:spChg>
+        <pc:picChg chg="add del mod">
+          <ac:chgData name="Leon Anthony" userId="e3054cf65c0aa08a" providerId="LiveId" clId="{66BF8A59-205D-463D-9160-E9DD9E2F426C}" dt="2024-05-27T16:52:45.465" v="1477" actId="478"/>
+          <ac:picMkLst>
+            <pc:docMk/>
+            <pc:sldMk cId="740154521" sldId="269"/>
+            <ac:picMk id="4" creationId="{97215327-BC73-393B-73B3-BDEE43C8FA85}"/>
+          </ac:picMkLst>
+        </pc:picChg>
+        <pc:picChg chg="del">
+          <ac:chgData name="Leon Anthony" userId="e3054cf65c0aa08a" providerId="LiveId" clId="{66BF8A59-205D-463D-9160-E9DD9E2F426C}" dt="2024-05-27T16:37:31.071" v="1436" actId="478"/>
+          <ac:picMkLst>
+            <pc:docMk/>
+            <pc:sldMk cId="740154521" sldId="269"/>
+            <ac:picMk id="5" creationId="{A3800601-931D-5F72-DE96-ECAA13AF112C}"/>
+          </ac:picMkLst>
+        </pc:picChg>
+        <pc:picChg chg="add mod">
+          <ac:chgData name="Leon Anthony" userId="e3054cf65c0aa08a" providerId="LiveId" clId="{66BF8A59-205D-463D-9160-E9DD9E2F426C}" dt="2024-05-27T16:54:07.413" v="1483" actId="1076"/>
+          <ac:picMkLst>
+            <pc:docMk/>
+            <pc:sldMk cId="740154521" sldId="269"/>
+            <ac:picMk id="7" creationId="{67310D7B-A938-3841-2E1E-216F27E8CC22}"/>
+          </ac:picMkLst>
+        </pc:picChg>
+      </pc:sldChg>
+      <pc:sldChg chg="addSp delSp modSp add mod">
+        <pc:chgData name="Leon Anthony" userId="e3054cf65c0aa08a" providerId="LiveId" clId="{66BF8A59-205D-463D-9160-E9DD9E2F426C}" dt="2024-05-27T17:03:00.642" v="1770" actId="20577"/>
+        <pc:sldMkLst>
+          <pc:docMk/>
+          <pc:sldMk cId="461958263" sldId="270"/>
+        </pc:sldMkLst>
+        <pc:spChg chg="add mod">
+          <ac:chgData name="Leon Anthony" userId="e3054cf65c0aa08a" providerId="LiveId" clId="{66BF8A59-205D-463D-9160-E9DD9E2F426C}" dt="2024-05-27T17:03:00.642" v="1770" actId="20577"/>
+          <ac:spMkLst>
+            <pc:docMk/>
+            <pc:sldMk cId="461958263" sldId="270"/>
+            <ac:spMk id="7" creationId="{3BF7BD6F-5C9A-32BA-8D25-3DA2BA41B868}"/>
+          </ac:spMkLst>
+        </pc:spChg>
+        <pc:picChg chg="add del mod">
+          <ac:chgData name="Leon Anthony" userId="e3054cf65c0aa08a" providerId="LiveId" clId="{66BF8A59-205D-463D-9160-E9DD9E2F426C}" dt="2024-05-27T16:43:51.227" v="1452" actId="478"/>
+          <ac:picMkLst>
+            <pc:docMk/>
+            <pc:sldMk cId="461958263" sldId="270"/>
+            <ac:picMk id="3" creationId="{94A1E655-CF7F-DAFB-5BF2-EA5957640DD0}"/>
+          </ac:picMkLst>
+        </pc:picChg>
+        <pc:picChg chg="del">
+          <ac:chgData name="Leon Anthony" userId="e3054cf65c0aa08a" providerId="LiveId" clId="{66BF8A59-205D-463D-9160-E9DD9E2F426C}" dt="2024-05-27T16:41:25.749" v="1448" actId="478"/>
+          <ac:picMkLst>
+            <pc:docMk/>
+            <pc:sldMk cId="461958263" sldId="270"/>
+            <ac:picMk id="4" creationId="{97215327-BC73-393B-73B3-BDEE43C8FA85}"/>
+          </ac:picMkLst>
+        </pc:picChg>
+        <pc:picChg chg="add mod">
+          <ac:chgData name="Leon Anthony" userId="e3054cf65c0aa08a" providerId="LiveId" clId="{66BF8A59-205D-463D-9160-E9DD9E2F426C}" dt="2024-05-27T17:02:23.662" v="1765" actId="14100"/>
+          <ac:picMkLst>
+            <pc:docMk/>
+            <pc:sldMk cId="461958263" sldId="270"/>
+            <ac:picMk id="6" creationId="{8031BAEE-91E4-E5BC-4148-3C5A08FAAD4F}"/>
+          </ac:picMkLst>
+        </pc:picChg>
+      </pc:sldChg>
+      <pc:sldChg chg="addSp modSp new mod">
+        <pc:chgData name="Leon Anthony" userId="e3054cf65c0aa08a" providerId="LiveId" clId="{66BF8A59-205D-463D-9160-E9DD9E2F426C}" dt="2024-05-27T16:49:11.323" v="1475" actId="1076"/>
+        <pc:sldMkLst>
+          <pc:docMk/>
+          <pc:sldMk cId="833210535" sldId="271"/>
+        </pc:sldMkLst>
+        <pc:spChg chg="mod">
+          <ac:chgData name="Leon Anthony" userId="e3054cf65c0aa08a" providerId="LiveId" clId="{66BF8A59-205D-463D-9160-E9DD9E2F426C}" dt="2024-05-27T16:49:11.323" v="1475" actId="1076"/>
+          <ac:spMkLst>
+            <pc:docMk/>
+            <pc:sldMk cId="833210535" sldId="271"/>
+            <ac:spMk id="2" creationId="{B240689F-D515-D00B-3D9C-DA91FF7C04BF}"/>
+          </ac:spMkLst>
+        </pc:spChg>
+        <pc:picChg chg="add mod">
+          <ac:chgData name="Leon Anthony" userId="e3054cf65c0aa08a" providerId="LiveId" clId="{66BF8A59-205D-463D-9160-E9DD9E2F426C}" dt="2024-05-27T16:48:59.784" v="1474" actId="14100"/>
+          <ac:picMkLst>
+            <pc:docMk/>
+            <pc:sldMk cId="833210535" sldId="271"/>
+            <ac:picMk id="4" creationId="{55DEBEA9-8280-BA29-91D0-C4234A16BCC9}"/>
+          </ac:picMkLst>
+        </pc:picChg>
+      </pc:sldChg>
+      <pc:sldChg chg="add">
+        <pc:chgData name="Leon Anthony" userId="e3054cf65c0aa08a" providerId="LiveId" clId="{66BF8A59-205D-463D-9160-E9DD9E2F426C}" dt="2024-05-27T17:03:24.029" v="1771" actId="2890"/>
+        <pc:sldMkLst>
+          <pc:docMk/>
+          <pc:sldMk cId="3836126218" sldId="272"/>
+        </pc:sldMkLst>
+      </pc:sldChg>
+      <pc:sldChg chg="addSp delSp modSp add mod">
+        <pc:chgData name="Leon Anthony" userId="e3054cf65c0aa08a" providerId="LiveId" clId="{66BF8A59-205D-463D-9160-E9DD9E2F426C}" dt="2024-05-27T17:11:50.827" v="1968" actId="20577"/>
+        <pc:sldMkLst>
+          <pc:docMk/>
+          <pc:sldMk cId="1333246648" sldId="273"/>
+        </pc:sldMkLst>
+        <pc:spChg chg="mod">
+          <ac:chgData name="Leon Anthony" userId="e3054cf65c0aa08a" providerId="LiveId" clId="{66BF8A59-205D-463D-9160-E9DD9E2F426C}" dt="2024-05-27T17:11:50.827" v="1968" actId="20577"/>
+          <ac:spMkLst>
+            <pc:docMk/>
+            <pc:sldMk cId="1333246648" sldId="273"/>
+            <ac:spMk id="7" creationId="{3BF7BD6F-5C9A-32BA-8D25-3DA2BA41B868}"/>
+          </ac:spMkLst>
+        </pc:spChg>
+        <pc:picChg chg="add mod">
+          <ac:chgData name="Leon Anthony" userId="e3054cf65c0aa08a" providerId="LiveId" clId="{66BF8A59-205D-463D-9160-E9DD9E2F426C}" dt="2024-05-27T17:07:27.783" v="1786" actId="1076"/>
+          <ac:picMkLst>
+            <pc:docMk/>
+            <pc:sldMk cId="1333246648" sldId="273"/>
+            <ac:picMk id="3" creationId="{4E6A7B97-5173-79A8-5BB3-0B08B1034ADB}"/>
+          </ac:picMkLst>
+        </pc:picChg>
+        <pc:picChg chg="del">
+          <ac:chgData name="Leon Anthony" userId="e3054cf65c0aa08a" providerId="LiveId" clId="{66BF8A59-205D-463D-9160-E9DD9E2F426C}" dt="2024-05-27T17:05:23.507" v="1773" actId="478"/>
+          <ac:picMkLst>
+            <pc:docMk/>
+            <pc:sldMk cId="1333246648" sldId="273"/>
+            <ac:picMk id="6" creationId="{8031BAEE-91E4-E5BC-4148-3C5A08FAAD4F}"/>
+          </ac:picMkLst>
+        </pc:picChg>
+      </pc:sldChg>
+      <pc:sldChg chg="addSp delSp modSp add mod ord">
+        <pc:chgData name="Leon Anthony" userId="e3054cf65c0aa08a" providerId="LiveId" clId="{66BF8A59-205D-463D-9160-E9DD9E2F426C}" dt="2024-05-27T17:58:34.987" v="2340"/>
+        <pc:sldMkLst>
+          <pc:docMk/>
+          <pc:sldMk cId="15329944" sldId="274"/>
+        </pc:sldMkLst>
+        <pc:spChg chg="mod">
+          <ac:chgData name="Leon Anthony" userId="e3054cf65c0aa08a" providerId="LiveId" clId="{66BF8A59-205D-463D-9160-E9DD9E2F426C}" dt="2024-05-27T17:33:05.718" v="2101" actId="1076"/>
+          <ac:spMkLst>
+            <pc:docMk/>
+            <pc:sldMk cId="15329944" sldId="274"/>
+            <ac:spMk id="7" creationId="{3BF7BD6F-5C9A-32BA-8D25-3DA2BA41B868}"/>
+          </ac:spMkLst>
+        </pc:spChg>
+        <pc:picChg chg="del">
+          <ac:chgData name="Leon Anthony" userId="e3054cf65c0aa08a" providerId="LiveId" clId="{66BF8A59-205D-463D-9160-E9DD9E2F426C}" dt="2024-05-27T17:14:17.994" v="1970" actId="478"/>
+          <ac:picMkLst>
+            <pc:docMk/>
+            <pc:sldMk cId="15329944" sldId="274"/>
+            <ac:picMk id="3" creationId="{4E6A7B97-5173-79A8-5BB3-0B08B1034ADB}"/>
+          </ac:picMkLst>
+        </pc:picChg>
+        <pc:picChg chg="add mod">
+          <ac:chgData name="Leon Anthony" userId="e3054cf65c0aa08a" providerId="LiveId" clId="{66BF8A59-205D-463D-9160-E9DD9E2F426C}" dt="2024-05-27T17:25:47.710" v="2013" actId="14100"/>
+          <ac:picMkLst>
+            <pc:docMk/>
+            <pc:sldMk cId="15329944" sldId="274"/>
+            <ac:picMk id="4" creationId="{3470E063-ADF7-622A-0F78-9A200C204F75}"/>
+          </ac:picMkLst>
+        </pc:picChg>
+      </pc:sldChg>
+      <pc:sldChg chg="addSp modSp add mod ord">
+        <pc:chgData name="Leon Anthony" userId="e3054cf65c0aa08a" providerId="LiveId" clId="{66BF8A59-205D-463D-9160-E9DD9E2F426C}" dt="2024-05-27T17:58:49.952" v="2342"/>
+        <pc:sldMkLst>
+          <pc:docMk/>
+          <pc:sldMk cId="936358337" sldId="275"/>
+        </pc:sldMkLst>
+        <pc:spChg chg="mod">
+          <ac:chgData name="Leon Anthony" userId="e3054cf65c0aa08a" providerId="LiveId" clId="{66BF8A59-205D-463D-9160-E9DD9E2F426C}" dt="2024-05-27T17:41:34.293" v="2157" actId="1076"/>
+          <ac:spMkLst>
+            <pc:docMk/>
+            <pc:sldMk cId="936358337" sldId="275"/>
+            <ac:spMk id="7" creationId="{3BF7BD6F-5C9A-32BA-8D25-3DA2BA41B868}"/>
+          </ac:spMkLst>
+        </pc:spChg>
+        <pc:picChg chg="add mod">
+          <ac:chgData name="Leon Anthony" userId="e3054cf65c0aa08a" providerId="LiveId" clId="{66BF8A59-205D-463D-9160-E9DD9E2F426C}" dt="2024-05-27T17:38:29.605" v="2107" actId="14100"/>
+          <ac:picMkLst>
+            <pc:docMk/>
+            <pc:sldMk cId="936358337" sldId="275"/>
+            <ac:picMk id="3" creationId="{B4FD5983-5F4B-2383-2121-7C1D9E3750C2}"/>
+          </ac:picMkLst>
+        </pc:picChg>
+      </pc:sldChg>
+      <pc:sldChg chg="addSp modSp add mod ord">
+        <pc:chgData name="Leon Anthony" userId="e3054cf65c0aa08a" providerId="LiveId" clId="{66BF8A59-205D-463D-9160-E9DD9E2F426C}" dt="2024-05-27T17:59:10.999" v="2346"/>
+        <pc:sldMkLst>
+          <pc:docMk/>
+          <pc:sldMk cId="3318791265" sldId="276"/>
+        </pc:sldMkLst>
+        <pc:spChg chg="mod">
+          <ac:chgData name="Leon Anthony" userId="e3054cf65c0aa08a" providerId="LiveId" clId="{66BF8A59-205D-463D-9160-E9DD9E2F426C}" dt="2024-05-27T17:49:55.529" v="2336" actId="20577"/>
+          <ac:spMkLst>
+            <pc:docMk/>
+            <pc:sldMk cId="3318791265" sldId="276"/>
+            <ac:spMk id="7" creationId="{3BF7BD6F-5C9A-32BA-8D25-3DA2BA41B868}"/>
+          </ac:spMkLst>
+        </pc:spChg>
+        <pc:picChg chg="add mod">
+          <ac:chgData name="Leon Anthony" userId="e3054cf65c0aa08a" providerId="LiveId" clId="{66BF8A59-205D-463D-9160-E9DD9E2F426C}" dt="2024-05-27T17:45:39.898" v="2165" actId="14100"/>
+          <ac:picMkLst>
+            <pc:docMk/>
+            <pc:sldMk cId="3318791265" sldId="276"/>
+            <ac:picMk id="3" creationId="{949FFE63-D83D-63C5-4328-5BAC1BB661FE}"/>
+          </ac:picMkLst>
+        </pc:picChg>
+      </pc:sldChg>
+      <pc:sldChg chg="addSp modSp new mod">
+        <pc:chgData name="Leon Anthony" userId="e3054cf65c0aa08a" providerId="LiveId" clId="{66BF8A59-205D-463D-9160-E9DD9E2F426C}" dt="2024-05-27T17:21:38.640" v="2008" actId="20577"/>
+        <pc:sldMkLst>
+          <pc:docMk/>
+          <pc:sldMk cId="1108601626" sldId="277"/>
+        </pc:sldMkLst>
+        <pc:spChg chg="mod">
+          <ac:chgData name="Leon Anthony" userId="e3054cf65c0aa08a" providerId="LiveId" clId="{66BF8A59-205D-463D-9160-E9DD9E2F426C}" dt="2024-05-27T17:21:38.640" v="2008" actId="20577"/>
+          <ac:spMkLst>
+            <pc:docMk/>
+            <pc:sldMk cId="1108601626" sldId="277"/>
+            <ac:spMk id="2" creationId="{E4CD4B9B-AE29-0428-6152-892C3C067ED8}"/>
+          </ac:spMkLst>
+        </pc:spChg>
+        <pc:picChg chg="add mod">
+          <ac:chgData name="Leon Anthony" userId="e3054cf65c0aa08a" providerId="LiveId" clId="{66BF8A59-205D-463D-9160-E9DD9E2F426C}" dt="2024-05-27T17:21:15.034" v="1999" actId="14100"/>
+          <ac:picMkLst>
+            <pc:docMk/>
+            <pc:sldMk cId="1108601626" sldId="277"/>
+            <ac:picMk id="4" creationId="{B42422B2-DC20-ED81-3003-EE4D792A367F}"/>
+          </ac:picMkLst>
+        </pc:picChg>
+      </pc:sldChg>
+      <pc:sldChg chg="addSp modSp new mod">
+        <pc:chgData name="Leon Anthony" userId="e3054cf65c0aa08a" providerId="LiveId" clId="{66BF8A59-205D-463D-9160-E9DD9E2F426C}" dt="2024-05-27T18:02:19.920" v="2375" actId="1076"/>
+        <pc:sldMkLst>
+          <pc:docMk/>
+          <pc:sldMk cId="3416530438" sldId="278"/>
+        </pc:sldMkLst>
+        <pc:spChg chg="add mod">
+          <ac:chgData name="Leon Anthony" userId="e3054cf65c0aa08a" providerId="LiveId" clId="{66BF8A59-205D-463D-9160-E9DD9E2F426C}" dt="2024-05-27T18:02:19.920" v="2375" actId="1076"/>
+          <ac:spMkLst>
+            <pc:docMk/>
+            <pc:sldMk cId="3416530438" sldId="278"/>
+            <ac:spMk id="4" creationId="{2F61EC2A-8874-D40E-AE7E-88C030D07CCD}"/>
+          </ac:spMkLst>
+        </pc:spChg>
+        <pc:picChg chg="add mod">
+          <ac:chgData name="Leon Anthony" userId="e3054cf65c0aa08a" providerId="LiveId" clId="{66BF8A59-205D-463D-9160-E9DD9E2F426C}" dt="2024-05-27T18:01:12.573" v="2351" actId="14100"/>
+          <ac:picMkLst>
+            <pc:docMk/>
+            <pc:sldMk cId="3416530438" sldId="278"/>
+            <ac:picMk id="3" creationId="{CD129EE8-F889-A22A-8F69-0F9A1F412DD3}"/>
+          </ac:picMkLst>
+        </pc:picChg>
+      </pc:sldChg>
+      <pc:sldChg chg="addSp delSp modSp add mod">
+        <pc:chgData name="Leon Anthony" userId="e3054cf65c0aa08a" providerId="LiveId" clId="{66BF8A59-205D-463D-9160-E9DD9E2F426C}" dt="2024-05-27T18:07:36.930" v="2407" actId="255"/>
+        <pc:sldMkLst>
+          <pc:docMk/>
+          <pc:sldMk cId="355379682" sldId="279"/>
+        </pc:sldMkLst>
+        <pc:spChg chg="del">
+          <ac:chgData name="Leon Anthony" userId="e3054cf65c0aa08a" providerId="LiveId" clId="{66BF8A59-205D-463D-9160-E9DD9E2F426C}" dt="2024-05-27T18:03:02.130" v="2378" actId="21"/>
+          <ac:spMkLst>
+            <pc:docMk/>
+            <pc:sldMk cId="355379682" sldId="279"/>
+            <ac:spMk id="4" creationId="{2F61EC2A-8874-D40E-AE7E-88C030D07CCD}"/>
+          </ac:spMkLst>
+        </pc:spChg>
+        <pc:spChg chg="add mod">
+          <ac:chgData name="Leon Anthony" userId="e3054cf65c0aa08a" providerId="LiveId" clId="{66BF8A59-205D-463D-9160-E9DD9E2F426C}" dt="2024-05-27T18:07:36.930" v="2407" actId="255"/>
+          <ac:spMkLst>
+            <pc:docMk/>
+            <pc:sldMk cId="355379682" sldId="279"/>
+            <ac:spMk id="6" creationId="{D04587C5-3113-D9D4-9FB0-DB62FAE97D9A}"/>
+          </ac:spMkLst>
+        </pc:spChg>
+        <pc:picChg chg="del">
+          <ac:chgData name="Leon Anthony" userId="e3054cf65c0aa08a" providerId="LiveId" clId="{66BF8A59-205D-463D-9160-E9DD9E2F426C}" dt="2024-05-27T18:02:38.924" v="2377" actId="478"/>
+          <ac:picMkLst>
+            <pc:docMk/>
+            <pc:sldMk cId="355379682" sldId="279"/>
+            <ac:picMk id="3" creationId="{CD129EE8-F889-A22A-8F69-0F9A1F412DD3}"/>
+          </ac:picMkLst>
+        </pc:picChg>
+        <pc:picChg chg="add mod">
+          <ac:chgData name="Leon Anthony" userId="e3054cf65c0aa08a" providerId="LiveId" clId="{66BF8A59-205D-463D-9160-E9DD9E2F426C}" dt="2024-05-27T18:05:44.570" v="2387" actId="1076"/>
+          <ac:picMkLst>
+            <pc:docMk/>
+            <pc:sldMk cId="355379682" sldId="279"/>
+            <ac:picMk id="5" creationId="{BFD4EAC5-0C3D-9BD9-34BE-DFF08B58F476}"/>
+          </ac:picMkLst>
+        </pc:picChg>
+      </pc:sldChg>
+      <pc:sldChg chg="addSp modSp add mod">
+        <pc:chgData name="Leon Anthony" userId="e3054cf65c0aa08a" providerId="LiveId" clId="{66BF8A59-205D-463D-9160-E9DD9E2F426C}" dt="2024-05-27T18:17:12.670" v="2498" actId="1076"/>
+        <pc:sldMkLst>
+          <pc:docMk/>
+          <pc:sldMk cId="633918299" sldId="280"/>
+        </pc:sldMkLst>
+        <pc:spChg chg="add mod">
+          <ac:chgData name="Leon Anthony" userId="e3054cf65c0aa08a" providerId="LiveId" clId="{66BF8A59-205D-463D-9160-E9DD9E2F426C}" dt="2024-05-27T18:17:12.670" v="2498" actId="1076"/>
+          <ac:spMkLst>
+            <pc:docMk/>
+            <pc:sldMk cId="633918299" sldId="280"/>
+            <ac:spMk id="4" creationId="{35FB59B6-CFA7-329D-0AB8-F637E9211D82}"/>
+          </ac:spMkLst>
+        </pc:spChg>
+        <pc:picChg chg="add mod">
+          <ac:chgData name="Leon Anthony" userId="e3054cf65c0aa08a" providerId="LiveId" clId="{66BF8A59-205D-463D-9160-E9DD9E2F426C}" dt="2024-05-27T18:14:14.980" v="2423" actId="1076"/>
+          <ac:picMkLst>
+            <pc:docMk/>
+            <pc:sldMk cId="633918299" sldId="280"/>
+            <ac:picMk id="3" creationId="{947A9F83-22DF-D32E-E4BE-1231BEE0235A}"/>
+          </ac:picMkLst>
+        </pc:picChg>
+      </pc:sldChg>
+      <pc:sldChg chg="addSp delSp modSp add mod">
+        <pc:chgData name="Leon Anthony" userId="e3054cf65c0aa08a" providerId="LiveId" clId="{66BF8A59-205D-463D-9160-E9DD9E2F426C}" dt="2024-05-27T18:25:17.062" v="2545"/>
+        <pc:sldMkLst>
+          <pc:docMk/>
+          <pc:sldMk cId="3139808396" sldId="281"/>
+        </pc:sldMkLst>
+        <pc:spChg chg="add del mod">
+          <ac:chgData name="Leon Anthony" userId="e3054cf65c0aa08a" providerId="LiveId" clId="{66BF8A59-205D-463D-9160-E9DD9E2F426C}" dt="2024-05-27T18:25:17.062" v="2545"/>
+          <ac:spMkLst>
+            <pc:docMk/>
+            <pc:sldMk cId="3139808396" sldId="281"/>
+            <ac:spMk id="4" creationId="{4A85F88F-8909-016D-6F88-E22EE4956D2C}"/>
+          </ac:spMkLst>
+        </pc:spChg>
+        <pc:spChg chg="add mod">
+          <ac:chgData name="Leon Anthony" userId="e3054cf65c0aa08a" providerId="LiveId" clId="{66BF8A59-205D-463D-9160-E9DD9E2F426C}" dt="2024-05-27T18:25:16.255" v="2543" actId="14100"/>
+          <ac:spMkLst>
+            <pc:docMk/>
+            <pc:sldMk cId="3139808396" sldId="281"/>
+            <ac:spMk id="6" creationId="{1B415623-BE04-E42E-1C04-882D1C8F8F91}"/>
+          </ac:spMkLst>
+        </pc:spChg>
+        <pc:picChg chg="add mod">
+          <ac:chgData name="Leon Anthony" userId="e3054cf65c0aa08a" providerId="LiveId" clId="{66BF8A59-205D-463D-9160-E9DD9E2F426C}" dt="2024-05-27T18:23:07.698" v="2506" actId="14100"/>
+          <ac:picMkLst>
+            <pc:docMk/>
+            <pc:sldMk cId="3139808396" sldId="281"/>
+            <ac:picMk id="3" creationId="{DF47C802-ACD0-EC07-3A80-FB2BA58AB5D2}"/>
+          </ac:picMkLst>
+        </pc:picChg>
+      </pc:sldChg>
+      <pc:sldChg chg="addSp modSp new mod">
+        <pc:chgData name="Leon Anthony" userId="e3054cf65c0aa08a" providerId="LiveId" clId="{66BF8A59-205D-463D-9160-E9DD9E2F426C}" dt="2024-05-27T18:36:32.094" v="2580" actId="1076"/>
+        <pc:sldMkLst>
+          <pc:docMk/>
+          <pc:sldMk cId="2691289518" sldId="282"/>
+        </pc:sldMkLst>
+        <pc:spChg chg="add mod">
+          <ac:chgData name="Leon Anthony" userId="e3054cf65c0aa08a" providerId="LiveId" clId="{66BF8A59-205D-463D-9160-E9DD9E2F426C}" dt="2024-05-27T18:36:32.094" v="2580" actId="1076"/>
+          <ac:spMkLst>
+            <pc:docMk/>
+            <pc:sldMk cId="2691289518" sldId="282"/>
+            <ac:spMk id="2" creationId="{523C6535-9BDB-FD63-3619-4558F33A05E4}"/>
+          </ac:spMkLst>
+        </pc:spChg>
+      </pc:sldChg>
+      <pc:sldChg chg="add del">
+        <pc:chgData name="Leon Anthony" userId="e3054cf65c0aa08a" providerId="LiveId" clId="{66BF8A59-205D-463D-9160-E9DD9E2F426C}" dt="2024-05-27T18:21:06.321" v="2500" actId="47"/>
+        <pc:sldMkLst>
+          <pc:docMk/>
+          <pc:sldMk cId="3477067055" sldId="282"/>
+        </pc:sldMkLst>
+      </pc:sldChg>
+      <pc:sldChg chg="new del">
+        <pc:chgData name="Leon Anthony" userId="e3054cf65c0aa08a" providerId="LiveId" clId="{66BF8A59-205D-463D-9160-E9DD9E2F426C}" dt="2024-05-27T18:26:39.191" v="2548" actId="47"/>
+        <pc:sldMkLst>
+          <pc:docMk/>
+          <pc:sldMk cId="3292385929" sldId="283"/>
+        </pc:sldMkLst>
+      </pc:sldChg>
+    </pc:docChg>
+  </pc:docChgLst>
+</pc:chgInfo>
 </file>
 
 <file path=ppt/slideLayouts/slideLayout1.xml><?xml version="1.0" encoding="utf-8"?>
@@ -442,7 +1171,7 @@
           <a:p>
             <a:fld id="{4631B558-0712-4E3E-8A55-54FD64C08D69}" type="datetimeFigureOut">
               <a:rPr lang="en-IN" smtClean="0"/>
-              <a:t>19-05-2024</a:t>
+              <a:t>27-05-2024</a:t>
             </a:fld>
             <a:endParaRPr lang="en-IN"/>
           </a:p>
@@ -766,7 +1495,7 @@
           <a:p>
             <a:fld id="{4631B558-0712-4E3E-8A55-54FD64C08D69}" type="datetimeFigureOut">
               <a:rPr lang="en-IN" smtClean="0"/>
-              <a:t>19-05-2024</a:t>
+              <a:t>27-05-2024</a:t>
             </a:fld>
             <a:endParaRPr lang="en-IN"/>
           </a:p>
@@ -1014,7 +1743,7 @@
           <a:p>
             <a:fld id="{4631B558-0712-4E3E-8A55-54FD64C08D69}" type="datetimeFigureOut">
               <a:rPr lang="en-IN" smtClean="0"/>
-              <a:t>19-05-2024</a:t>
+              <a:t>27-05-2024</a:t>
             </a:fld>
             <a:endParaRPr lang="en-IN"/>
           </a:p>
@@ -1353,7 +2082,7 @@
           <a:p>
             <a:fld id="{4631B558-0712-4E3E-8A55-54FD64C08D69}" type="datetimeFigureOut">
               <a:rPr lang="en-IN" smtClean="0"/>
-              <a:t>19-05-2024</a:t>
+              <a:t>27-05-2024</a:t>
             </a:fld>
             <a:endParaRPr lang="en-IN"/>
           </a:p>
@@ -1700,7 +2429,7 @@
           <a:p>
             <a:fld id="{4631B558-0712-4E3E-8A55-54FD64C08D69}" type="datetimeFigureOut">
               <a:rPr lang="en-IN" smtClean="0"/>
-              <a:t>19-05-2024</a:t>
+              <a:t>27-05-2024</a:t>
             </a:fld>
             <a:endParaRPr lang="en-IN"/>
           </a:p>
@@ -2074,7 +2803,7 @@
           <a:p>
             <a:fld id="{4631B558-0712-4E3E-8A55-54FD64C08D69}" type="datetimeFigureOut">
               <a:rPr lang="en-IN" smtClean="0"/>
-              <a:t>19-05-2024</a:t>
+              <a:t>27-05-2024</a:t>
             </a:fld>
             <a:endParaRPr lang="en-IN"/>
           </a:p>
@@ -2544,7 +3273,7 @@
           <a:p>
             <a:fld id="{4631B558-0712-4E3E-8A55-54FD64C08D69}" type="datetimeFigureOut">
               <a:rPr lang="en-IN" smtClean="0"/>
-              <a:t>19-05-2024</a:t>
+              <a:t>27-05-2024</a:t>
             </a:fld>
             <a:endParaRPr lang="en-IN"/>
           </a:p>
@@ -2749,7 +3478,7 @@
           <a:p>
             <a:fld id="{4631B558-0712-4E3E-8A55-54FD64C08D69}" type="datetimeFigureOut">
               <a:rPr lang="en-IN" smtClean="0"/>
-              <a:t>19-05-2024</a:t>
+              <a:t>27-05-2024</a:t>
             </a:fld>
             <a:endParaRPr lang="en-IN"/>
           </a:p>
@@ -2960,7 +3689,7 @@
           <a:p>
             <a:fld id="{4631B558-0712-4E3E-8A55-54FD64C08D69}" type="datetimeFigureOut">
               <a:rPr lang="en-IN" smtClean="0"/>
-              <a:t>19-05-2024</a:t>
+              <a:t>27-05-2024</a:t>
             </a:fld>
             <a:endParaRPr lang="en-IN"/>
           </a:p>
@@ -3192,7 +3921,7 @@
           <a:p>
             <a:fld id="{4631B558-0712-4E3E-8A55-54FD64C08D69}" type="datetimeFigureOut">
               <a:rPr lang="en-IN" smtClean="0"/>
-              <a:t>19-05-2024</a:t>
+              <a:t>27-05-2024</a:t>
             </a:fld>
             <a:endParaRPr lang="en-IN"/>
           </a:p>
@@ -3440,7 +4169,7 @@
           <a:p>
             <a:fld id="{4631B558-0712-4E3E-8A55-54FD64C08D69}" type="datetimeFigureOut">
               <a:rPr lang="en-IN" smtClean="0"/>
-              <a:t>19-05-2024</a:t>
+              <a:t>27-05-2024</a:t>
             </a:fld>
             <a:endParaRPr lang="en-IN"/>
           </a:p>
@@ -3738,7 +4467,7 @@
           <a:p>
             <a:fld id="{4631B558-0712-4E3E-8A55-54FD64C08D69}" type="datetimeFigureOut">
               <a:rPr lang="en-IN" smtClean="0"/>
-              <a:t>19-05-2024</a:t>
+              <a:t>27-05-2024</a:t>
             </a:fld>
             <a:endParaRPr lang="en-IN"/>
           </a:p>
@@ -4132,7 +4861,7 @@
           <a:p>
             <a:fld id="{4631B558-0712-4E3E-8A55-54FD64C08D69}" type="datetimeFigureOut">
               <a:rPr lang="en-IN" smtClean="0"/>
-              <a:t>19-05-2024</a:t>
+              <a:t>27-05-2024</a:t>
             </a:fld>
             <a:endParaRPr lang="en-IN"/>
           </a:p>
@@ -4281,7 +5010,7 @@
           <a:p>
             <a:fld id="{4631B558-0712-4E3E-8A55-54FD64C08D69}" type="datetimeFigureOut">
               <a:rPr lang="en-IN" smtClean="0"/>
-              <a:t>19-05-2024</a:t>
+              <a:t>27-05-2024</a:t>
             </a:fld>
             <a:endParaRPr lang="en-IN"/>
           </a:p>
@@ -4407,7 +5136,7 @@
           <a:p>
             <a:fld id="{4631B558-0712-4E3E-8A55-54FD64C08D69}" type="datetimeFigureOut">
               <a:rPr lang="en-IN" smtClean="0"/>
-              <a:t>19-05-2024</a:t>
+              <a:t>27-05-2024</a:t>
             </a:fld>
             <a:endParaRPr lang="en-IN"/>
           </a:p>
@@ -4662,7 +5391,7 @@
           <a:p>
             <a:fld id="{4631B558-0712-4E3E-8A55-54FD64C08D69}" type="datetimeFigureOut">
               <a:rPr lang="en-IN" smtClean="0"/>
-              <a:t>19-05-2024</a:t>
+              <a:t>27-05-2024</a:t>
             </a:fld>
             <a:endParaRPr lang="en-IN"/>
           </a:p>
@@ -4977,7 +5706,7 @@
           <a:p>
             <a:fld id="{4631B558-0712-4E3E-8A55-54FD64C08D69}" type="datetimeFigureOut">
               <a:rPr lang="en-IN" smtClean="0"/>
-              <a:t>19-05-2024</a:t>
+              <a:t>27-05-2024</a:t>
             </a:fld>
             <a:endParaRPr lang="en-IN"/>
           </a:p>
@@ -5328,7 +6057,7 @@
           <a:p>
             <a:fld id="{4631B558-0712-4E3E-8A55-54FD64C08D69}" type="datetimeFigureOut">
               <a:rPr lang="en-IN" smtClean="0"/>
-              <a:t>19-05-2024</a:t>
+              <a:t>27-05-2024</a:t>
             </a:fld>
             <a:endParaRPr lang="en-IN"/>
           </a:p>
@@ -5945,7 +6674,7 @@
 </p:sld>
 </file>
 
-<file path=ppt/slides/slide2.xml><?xml version="1.0" encoding="utf-8"?>
+<file path=ppt/slides/slide10.xml><?xml version="1.0" encoding="utf-8"?>
 <p:sld xmlns:a="http://schemas.openxmlformats.org/drawingml/2006/main" xmlns:r="http://schemas.openxmlformats.org/officeDocument/2006/relationships" xmlns:p="http://schemas.openxmlformats.org/presentationml/2006/main">
   <p:cSld>
     <p:spTree>
@@ -6032,6 +6761,1370 @@
     <p:extLst>
       <p:ext uri="{BB962C8B-B14F-4D97-AF65-F5344CB8AC3E}">
         <p14:creationId xmlns:p14="http://schemas.microsoft.com/office/powerpoint/2010/main" val="1806722379"/>
+      </p:ext>
+    </p:extLst>
+  </p:cSld>
+  <p:clrMapOvr>
+    <a:masterClrMapping/>
+  </p:clrMapOvr>
+</p:sld>
+</file>
+
+<file path=ppt/slides/slide11.xml><?xml version="1.0" encoding="utf-8"?>
+<p:sld xmlns:a="http://schemas.openxmlformats.org/drawingml/2006/main" xmlns:r="http://schemas.openxmlformats.org/officeDocument/2006/relationships" xmlns:p="http://schemas.openxmlformats.org/presentationml/2006/main">
+  <p:cSld>
+    <p:spTree>
+      <p:nvGrpSpPr>
+        <p:cNvPr id="1" name=""/>
+        <p:cNvGrpSpPr/>
+        <p:nvPr/>
+      </p:nvGrpSpPr>
+      <p:grpSpPr>
+        <a:xfrm>
+          <a:off x="0" y="0"/>
+          <a:ext cx="0" cy="0"/>
+          <a:chOff x="0" y="0"/>
+          <a:chExt cx="0" cy="0"/>
+        </a:xfrm>
+      </p:grpSpPr>
+      <p:sp>
+        <p:nvSpPr>
+          <p:cNvPr id="7" name="TextBox 6">
+            <a:extLst>
+              <a:ext uri="{FF2B5EF4-FFF2-40B4-BE49-F238E27FC236}">
+                <a16:creationId xmlns:a16="http://schemas.microsoft.com/office/drawing/2014/main" id="{3BF7BD6F-5C9A-32BA-8D25-3DA2BA41B868}"/>
+              </a:ext>
+            </a:extLst>
+          </p:cNvPr>
+          <p:cNvSpPr txBox="1"/>
+          <p:nvPr/>
+        </p:nvSpPr>
+        <p:spPr>
+          <a:xfrm>
+            <a:off x="4954414" y="4823091"/>
+            <a:ext cx="2869503" cy="1323439"/>
+          </a:xfrm>
+          <a:prstGeom prst="rect">
+            <a:avLst/>
+          </a:prstGeom>
+          <a:noFill/>
+        </p:spPr>
+        <p:txBody>
+          <a:bodyPr wrap="none" rtlCol="0">
+            <a:spAutoFit/>
+          </a:bodyPr>
+          <a:lstStyle/>
+          <a:p>
+            <a:r>
+              <a:rPr lang="en-US" sz="2000" dirty="0"/>
+              <a:t>Profit by Segment Analysis</a:t>
+            </a:r>
+          </a:p>
+          <a:p>
+            <a:pPr marL="342900" indent="-342900">
+              <a:buFont typeface="Arial" panose="020B0604020202020204" pitchFamily="34" charset="0"/>
+              <a:buChar char="•"/>
+            </a:pPr>
+            <a:r>
+              <a:rPr lang="en-US" sz="2000" dirty="0"/>
+              <a:t>Consumer</a:t>
+            </a:r>
+          </a:p>
+          <a:p>
+            <a:pPr marL="342900" indent="-342900">
+              <a:buFont typeface="Arial" panose="020B0604020202020204" pitchFamily="34" charset="0"/>
+              <a:buChar char="•"/>
+            </a:pPr>
+            <a:r>
+              <a:rPr lang="en-US" sz="2000" dirty="0"/>
+              <a:t>Corporate</a:t>
+            </a:r>
+          </a:p>
+          <a:p>
+            <a:pPr marL="342900" indent="-342900">
+              <a:buFont typeface="Arial" panose="020B0604020202020204" pitchFamily="34" charset="0"/>
+              <a:buChar char="•"/>
+            </a:pPr>
+            <a:r>
+              <a:rPr lang="en-US" sz="2000" dirty="0"/>
+              <a:t>Home Office</a:t>
+            </a:r>
+            <a:endParaRPr lang="en-IN" sz="2000" dirty="0"/>
+          </a:p>
+        </p:txBody>
+      </p:sp>
+      <p:pic>
+        <p:nvPicPr>
+          <p:cNvPr id="4" name="Picture 3">
+            <a:extLst>
+              <a:ext uri="{FF2B5EF4-FFF2-40B4-BE49-F238E27FC236}">
+                <a16:creationId xmlns:a16="http://schemas.microsoft.com/office/drawing/2014/main" id="{3470E063-ADF7-622A-0F78-9A200C204F75}"/>
+              </a:ext>
+            </a:extLst>
+          </p:cNvPr>
+          <p:cNvPicPr>
+            <a:picLocks noChangeAspect="1"/>
+          </p:cNvPicPr>
+          <p:nvPr/>
+        </p:nvPicPr>
+        <p:blipFill>
+          <a:blip r:embed="rId2"/>
+          <a:stretch>
+            <a:fillRect/>
+          </a:stretch>
+        </p:blipFill>
+        <p:spPr>
+          <a:xfrm>
+            <a:off x="1073294" y="1042543"/>
+            <a:ext cx="10062065" cy="3602269"/>
+          </a:xfrm>
+          <a:prstGeom prst="rect">
+            <a:avLst/>
+          </a:prstGeom>
+        </p:spPr>
+      </p:pic>
+    </p:spTree>
+    <p:extLst>
+      <p:ext uri="{BB962C8B-B14F-4D97-AF65-F5344CB8AC3E}">
+        <p14:creationId xmlns:p14="http://schemas.microsoft.com/office/powerpoint/2010/main" val="15329944"/>
+      </p:ext>
+    </p:extLst>
+  </p:cSld>
+  <p:clrMapOvr>
+    <a:masterClrMapping/>
+  </p:clrMapOvr>
+</p:sld>
+</file>
+
+<file path=ppt/slides/slide12.xml><?xml version="1.0" encoding="utf-8"?>
+<p:sld xmlns:a="http://schemas.openxmlformats.org/drawingml/2006/main" xmlns:r="http://schemas.openxmlformats.org/officeDocument/2006/relationships" xmlns:p="http://schemas.openxmlformats.org/presentationml/2006/main">
+  <p:cSld>
+    <p:spTree>
+      <p:nvGrpSpPr>
+        <p:cNvPr id="1" name=""/>
+        <p:cNvGrpSpPr/>
+        <p:nvPr/>
+      </p:nvGrpSpPr>
+      <p:grpSpPr>
+        <a:xfrm>
+          <a:off x="0" y="0"/>
+          <a:ext cx="0" cy="0"/>
+          <a:chOff x="0" y="0"/>
+          <a:chExt cx="0" cy="0"/>
+        </a:xfrm>
+      </p:grpSpPr>
+      <p:sp>
+        <p:nvSpPr>
+          <p:cNvPr id="7" name="TextBox 6">
+            <a:extLst>
+              <a:ext uri="{FF2B5EF4-FFF2-40B4-BE49-F238E27FC236}">
+                <a16:creationId xmlns:a16="http://schemas.microsoft.com/office/drawing/2014/main" id="{3BF7BD6F-5C9A-32BA-8D25-3DA2BA41B868}"/>
+              </a:ext>
+            </a:extLst>
+          </p:cNvPr>
+          <p:cNvSpPr txBox="1"/>
+          <p:nvPr/>
+        </p:nvSpPr>
+        <p:spPr>
+          <a:xfrm>
+            <a:off x="3610800" y="5353587"/>
+            <a:ext cx="4970400" cy="523220"/>
+          </a:xfrm>
+          <a:prstGeom prst="rect">
+            <a:avLst/>
+          </a:prstGeom>
+          <a:noFill/>
+        </p:spPr>
+        <p:txBody>
+          <a:bodyPr wrap="none" rtlCol="0">
+            <a:spAutoFit/>
+          </a:bodyPr>
+          <a:lstStyle/>
+          <a:p>
+            <a:r>
+              <a:rPr lang="en-US" sz="2800" dirty="0"/>
+              <a:t>Sum of Profit Year based Analysis</a:t>
+            </a:r>
+            <a:endParaRPr lang="en-IN" sz="2800" dirty="0"/>
+          </a:p>
+        </p:txBody>
+      </p:sp>
+      <p:pic>
+        <p:nvPicPr>
+          <p:cNvPr id="3" name="Picture 2">
+            <a:extLst>
+              <a:ext uri="{FF2B5EF4-FFF2-40B4-BE49-F238E27FC236}">
+                <a16:creationId xmlns:a16="http://schemas.microsoft.com/office/drawing/2014/main" id="{B4FD5983-5F4B-2383-2121-7C1D9E3750C2}"/>
+              </a:ext>
+            </a:extLst>
+          </p:cNvPr>
+          <p:cNvPicPr>
+            <a:picLocks noChangeAspect="1"/>
+          </p:cNvPicPr>
+          <p:nvPr/>
+        </p:nvPicPr>
+        <p:blipFill>
+          <a:blip r:embed="rId2"/>
+          <a:stretch>
+            <a:fillRect/>
+          </a:stretch>
+        </p:blipFill>
+        <p:spPr>
+          <a:xfrm>
+            <a:off x="1168400" y="751841"/>
+            <a:ext cx="10027920" cy="4155440"/>
+          </a:xfrm>
+          <a:prstGeom prst="rect">
+            <a:avLst/>
+          </a:prstGeom>
+        </p:spPr>
+      </p:pic>
+    </p:spTree>
+    <p:extLst>
+      <p:ext uri="{BB962C8B-B14F-4D97-AF65-F5344CB8AC3E}">
+        <p14:creationId xmlns:p14="http://schemas.microsoft.com/office/powerpoint/2010/main" val="936358337"/>
+      </p:ext>
+    </p:extLst>
+  </p:cSld>
+  <p:clrMapOvr>
+    <a:masterClrMapping/>
+  </p:clrMapOvr>
+</p:sld>
+</file>
+
+<file path=ppt/slides/slide13.xml><?xml version="1.0" encoding="utf-8"?>
+<p:sld xmlns:a="http://schemas.openxmlformats.org/drawingml/2006/main" xmlns:r="http://schemas.openxmlformats.org/officeDocument/2006/relationships" xmlns:p="http://schemas.openxmlformats.org/presentationml/2006/main">
+  <p:cSld>
+    <p:spTree>
+      <p:nvGrpSpPr>
+        <p:cNvPr id="1" name=""/>
+        <p:cNvGrpSpPr/>
+        <p:nvPr/>
+      </p:nvGrpSpPr>
+      <p:grpSpPr>
+        <a:xfrm>
+          <a:off x="0" y="0"/>
+          <a:ext cx="0" cy="0"/>
+          <a:chOff x="0" y="0"/>
+          <a:chExt cx="0" cy="0"/>
+        </a:xfrm>
+      </p:grpSpPr>
+      <p:sp>
+        <p:nvSpPr>
+          <p:cNvPr id="7" name="TextBox 6">
+            <a:extLst>
+              <a:ext uri="{FF2B5EF4-FFF2-40B4-BE49-F238E27FC236}">
+                <a16:creationId xmlns:a16="http://schemas.microsoft.com/office/drawing/2014/main" id="{3BF7BD6F-5C9A-32BA-8D25-3DA2BA41B868}"/>
+              </a:ext>
+            </a:extLst>
+          </p:cNvPr>
+          <p:cNvSpPr txBox="1"/>
+          <p:nvPr/>
+        </p:nvSpPr>
+        <p:spPr>
+          <a:xfrm>
+            <a:off x="1168400" y="5160547"/>
+            <a:ext cx="10021461" cy="707886"/>
+          </a:xfrm>
+          <a:prstGeom prst="rect">
+            <a:avLst/>
+          </a:prstGeom>
+          <a:noFill/>
+        </p:spPr>
+        <p:txBody>
+          <a:bodyPr wrap="none" rtlCol="0">
+            <a:spAutoFit/>
+          </a:bodyPr>
+          <a:lstStyle/>
+          <a:p>
+            <a:r>
+              <a:rPr lang="en-US" sz="2000" dirty="0"/>
+              <a:t>Sum of Profit and Sum of Sales by month Analysis, March month generates huge amount of profit</a:t>
+            </a:r>
+          </a:p>
+          <a:p>
+            <a:r>
+              <a:rPr lang="en-IN" sz="2000" dirty="0"/>
+              <a:t>where there is huge dip on the next month April.</a:t>
+            </a:r>
+          </a:p>
+        </p:txBody>
+      </p:sp>
+      <p:pic>
+        <p:nvPicPr>
+          <p:cNvPr id="3" name="Picture 2">
+            <a:extLst>
+              <a:ext uri="{FF2B5EF4-FFF2-40B4-BE49-F238E27FC236}">
+                <a16:creationId xmlns:a16="http://schemas.microsoft.com/office/drawing/2014/main" id="{949FFE63-D83D-63C5-4328-5BAC1BB661FE}"/>
+              </a:ext>
+            </a:extLst>
+          </p:cNvPr>
+          <p:cNvPicPr>
+            <a:picLocks noChangeAspect="1"/>
+          </p:cNvPicPr>
+          <p:nvPr/>
+        </p:nvPicPr>
+        <p:blipFill>
+          <a:blip r:embed="rId2"/>
+          <a:stretch>
+            <a:fillRect/>
+          </a:stretch>
+        </p:blipFill>
+        <p:spPr>
+          <a:xfrm>
+            <a:off x="1168400" y="0"/>
+            <a:ext cx="9916160" cy="4832113"/>
+          </a:xfrm>
+          <a:prstGeom prst="rect">
+            <a:avLst/>
+          </a:prstGeom>
+        </p:spPr>
+      </p:pic>
+    </p:spTree>
+    <p:extLst>
+      <p:ext uri="{BB962C8B-B14F-4D97-AF65-F5344CB8AC3E}">
+        <p14:creationId xmlns:p14="http://schemas.microsoft.com/office/powerpoint/2010/main" val="3318791265"/>
+      </p:ext>
+    </p:extLst>
+  </p:cSld>
+  <p:clrMapOvr>
+    <a:masterClrMapping/>
+  </p:clrMapOvr>
+</p:sld>
+</file>
+
+<file path=ppt/slides/slide14.xml><?xml version="1.0" encoding="utf-8"?>
+<p:sld xmlns:a="http://schemas.openxmlformats.org/drawingml/2006/main" xmlns:r="http://schemas.openxmlformats.org/officeDocument/2006/relationships" xmlns:p="http://schemas.openxmlformats.org/presentationml/2006/main">
+  <p:cSld>
+    <p:spTree>
+      <p:nvGrpSpPr>
+        <p:cNvPr id="1" name=""/>
+        <p:cNvGrpSpPr/>
+        <p:nvPr/>
+      </p:nvGrpSpPr>
+      <p:grpSpPr>
+        <a:xfrm>
+          <a:off x="0" y="0"/>
+          <a:ext cx="0" cy="0"/>
+          <a:chOff x="0" y="0"/>
+          <a:chExt cx="0" cy="0"/>
+        </a:xfrm>
+      </p:grpSpPr>
+      <p:pic>
+        <p:nvPicPr>
+          <p:cNvPr id="3" name="Picture 2">
+            <a:extLst>
+              <a:ext uri="{FF2B5EF4-FFF2-40B4-BE49-F238E27FC236}">
+                <a16:creationId xmlns:a16="http://schemas.microsoft.com/office/drawing/2014/main" id="{CD129EE8-F889-A22A-8F69-0F9A1F412DD3}"/>
+              </a:ext>
+            </a:extLst>
+          </p:cNvPr>
+          <p:cNvPicPr>
+            <a:picLocks noChangeAspect="1"/>
+          </p:cNvPicPr>
+          <p:nvPr/>
+        </p:nvPicPr>
+        <p:blipFill>
+          <a:blip r:embed="rId2"/>
+          <a:stretch>
+            <a:fillRect/>
+          </a:stretch>
+        </p:blipFill>
+        <p:spPr>
+          <a:xfrm>
+            <a:off x="894080" y="1463040"/>
+            <a:ext cx="10383520" cy="4366468"/>
+          </a:xfrm>
+          <a:prstGeom prst="rect">
+            <a:avLst/>
+          </a:prstGeom>
+        </p:spPr>
+      </p:pic>
+      <p:sp>
+        <p:nvSpPr>
+          <p:cNvPr id="4" name="TextBox 3">
+            <a:extLst>
+              <a:ext uri="{FF2B5EF4-FFF2-40B4-BE49-F238E27FC236}">
+                <a16:creationId xmlns:a16="http://schemas.microsoft.com/office/drawing/2014/main" id="{2F61EC2A-8874-D40E-AE7E-88C030D07CCD}"/>
+              </a:ext>
+            </a:extLst>
+          </p:cNvPr>
+          <p:cNvSpPr txBox="1"/>
+          <p:nvPr/>
+        </p:nvSpPr>
+        <p:spPr>
+          <a:xfrm>
+            <a:off x="3777669" y="705326"/>
+            <a:ext cx="4902561" cy="646331"/>
+          </a:xfrm>
+          <a:prstGeom prst="rect">
+            <a:avLst/>
+          </a:prstGeom>
+          <a:noFill/>
+        </p:spPr>
+        <p:txBody>
+          <a:bodyPr wrap="none" rtlCol="0">
+            <a:spAutoFit/>
+          </a:bodyPr>
+          <a:lstStyle/>
+          <a:p>
+            <a:r>
+              <a:rPr lang="en-US" sz="3600" dirty="0"/>
+              <a:t>CUSTOMER ANALYSIS</a:t>
+            </a:r>
+            <a:endParaRPr lang="en-IN" sz="3600" dirty="0"/>
+          </a:p>
+        </p:txBody>
+      </p:sp>
+    </p:spTree>
+    <p:extLst>
+      <p:ext uri="{BB962C8B-B14F-4D97-AF65-F5344CB8AC3E}">
+        <p14:creationId xmlns:p14="http://schemas.microsoft.com/office/powerpoint/2010/main" val="3416530438"/>
+      </p:ext>
+    </p:extLst>
+  </p:cSld>
+  <p:clrMapOvr>
+    <a:masterClrMapping/>
+  </p:clrMapOvr>
+</p:sld>
+</file>
+
+<file path=ppt/slides/slide15.xml><?xml version="1.0" encoding="utf-8"?>
+<p:sld xmlns:a="http://schemas.openxmlformats.org/drawingml/2006/main" xmlns:r="http://schemas.openxmlformats.org/officeDocument/2006/relationships" xmlns:p="http://schemas.openxmlformats.org/presentationml/2006/main">
+  <p:cSld>
+    <p:spTree>
+      <p:nvGrpSpPr>
+        <p:cNvPr id="1" name=""/>
+        <p:cNvGrpSpPr/>
+        <p:nvPr/>
+      </p:nvGrpSpPr>
+      <p:grpSpPr>
+        <a:xfrm>
+          <a:off x="0" y="0"/>
+          <a:ext cx="0" cy="0"/>
+          <a:chOff x="0" y="0"/>
+          <a:chExt cx="0" cy="0"/>
+        </a:xfrm>
+      </p:grpSpPr>
+      <p:pic>
+        <p:nvPicPr>
+          <p:cNvPr id="5" name="Picture 4">
+            <a:extLst>
+              <a:ext uri="{FF2B5EF4-FFF2-40B4-BE49-F238E27FC236}">
+                <a16:creationId xmlns:a16="http://schemas.microsoft.com/office/drawing/2014/main" id="{BFD4EAC5-0C3D-9BD9-34BE-DFF08B58F476}"/>
+              </a:ext>
+            </a:extLst>
+          </p:cNvPr>
+          <p:cNvPicPr>
+            <a:picLocks noChangeAspect="1"/>
+          </p:cNvPicPr>
+          <p:nvPr/>
+        </p:nvPicPr>
+        <p:blipFill>
+          <a:blip r:embed="rId2"/>
+          <a:stretch>
+            <a:fillRect/>
+          </a:stretch>
+        </p:blipFill>
+        <p:spPr>
+          <a:xfrm>
+            <a:off x="1641967" y="697046"/>
+            <a:ext cx="8908066" cy="4528798"/>
+          </a:xfrm>
+          <a:prstGeom prst="rect">
+            <a:avLst/>
+          </a:prstGeom>
+        </p:spPr>
+      </p:pic>
+      <p:sp>
+        <p:nvSpPr>
+          <p:cNvPr id="6" name="TextBox 5">
+            <a:extLst>
+              <a:ext uri="{FF2B5EF4-FFF2-40B4-BE49-F238E27FC236}">
+                <a16:creationId xmlns:a16="http://schemas.microsoft.com/office/drawing/2014/main" id="{D04587C5-3113-D9D4-9FB0-DB62FAE97D9A}"/>
+              </a:ext>
+            </a:extLst>
+          </p:cNvPr>
+          <p:cNvSpPr txBox="1"/>
+          <p:nvPr/>
+        </p:nvSpPr>
+        <p:spPr>
+          <a:xfrm>
+            <a:off x="5111628" y="5496560"/>
+            <a:ext cx="2682401" cy="523220"/>
+          </a:xfrm>
+          <a:prstGeom prst="rect">
+            <a:avLst/>
+          </a:prstGeom>
+          <a:noFill/>
+        </p:spPr>
+        <p:txBody>
+          <a:bodyPr wrap="none" rtlCol="0">
+            <a:spAutoFit/>
+          </a:bodyPr>
+          <a:lstStyle/>
+          <a:p>
+            <a:r>
+              <a:rPr lang="en-US" sz="2800" dirty="0"/>
+              <a:t>Top 5 Customers </a:t>
+            </a:r>
+            <a:endParaRPr lang="en-IN" sz="2800" dirty="0"/>
+          </a:p>
+        </p:txBody>
+      </p:sp>
+    </p:spTree>
+    <p:extLst>
+      <p:ext uri="{BB962C8B-B14F-4D97-AF65-F5344CB8AC3E}">
+        <p14:creationId xmlns:p14="http://schemas.microsoft.com/office/powerpoint/2010/main" val="355379682"/>
+      </p:ext>
+    </p:extLst>
+  </p:cSld>
+  <p:clrMapOvr>
+    <a:masterClrMapping/>
+  </p:clrMapOvr>
+</p:sld>
+</file>
+
+<file path=ppt/slides/slide16.xml><?xml version="1.0" encoding="utf-8"?>
+<p:sld xmlns:a="http://schemas.openxmlformats.org/drawingml/2006/main" xmlns:r="http://schemas.openxmlformats.org/officeDocument/2006/relationships" xmlns:p="http://schemas.openxmlformats.org/presentationml/2006/main">
+  <p:cSld>
+    <p:spTree>
+      <p:nvGrpSpPr>
+        <p:cNvPr id="1" name=""/>
+        <p:cNvGrpSpPr/>
+        <p:nvPr/>
+      </p:nvGrpSpPr>
+      <p:grpSpPr>
+        <a:xfrm>
+          <a:off x="0" y="0"/>
+          <a:ext cx="0" cy="0"/>
+          <a:chOff x="0" y="0"/>
+          <a:chExt cx="0" cy="0"/>
+        </a:xfrm>
+      </p:grpSpPr>
+      <p:pic>
+        <p:nvPicPr>
+          <p:cNvPr id="3" name="Picture 2">
+            <a:extLst>
+              <a:ext uri="{FF2B5EF4-FFF2-40B4-BE49-F238E27FC236}">
+                <a16:creationId xmlns:a16="http://schemas.microsoft.com/office/drawing/2014/main" id="{947A9F83-22DF-D32E-E4BE-1231BEE0235A}"/>
+              </a:ext>
+            </a:extLst>
+          </p:cNvPr>
+          <p:cNvPicPr>
+            <a:picLocks noChangeAspect="1"/>
+          </p:cNvPicPr>
+          <p:nvPr/>
+        </p:nvPicPr>
+        <p:blipFill>
+          <a:blip r:embed="rId2"/>
+          <a:stretch>
+            <a:fillRect/>
+          </a:stretch>
+        </p:blipFill>
+        <p:spPr>
+          <a:xfrm>
+            <a:off x="2603500" y="857593"/>
+            <a:ext cx="6985000" cy="3897287"/>
+          </a:xfrm>
+          <a:prstGeom prst="rect">
+            <a:avLst/>
+          </a:prstGeom>
+        </p:spPr>
+      </p:pic>
+      <p:sp>
+        <p:nvSpPr>
+          <p:cNvPr id="4" name="TextBox 3">
+            <a:extLst>
+              <a:ext uri="{FF2B5EF4-FFF2-40B4-BE49-F238E27FC236}">
+                <a16:creationId xmlns:a16="http://schemas.microsoft.com/office/drawing/2014/main" id="{35FB59B6-CFA7-329D-0AB8-F637E9211D82}"/>
+              </a:ext>
+            </a:extLst>
+          </p:cNvPr>
+          <p:cNvSpPr txBox="1"/>
+          <p:nvPr/>
+        </p:nvSpPr>
+        <p:spPr>
+          <a:xfrm>
+            <a:off x="2092960" y="5191760"/>
+            <a:ext cx="8296502" cy="523220"/>
+          </a:xfrm>
+          <a:prstGeom prst="rect">
+            <a:avLst/>
+          </a:prstGeom>
+          <a:noFill/>
+        </p:spPr>
+        <p:txBody>
+          <a:bodyPr wrap="none" rtlCol="0">
+            <a:spAutoFit/>
+          </a:bodyPr>
+          <a:lstStyle/>
+          <a:p>
+            <a:r>
+              <a:rPr lang="en-US" sz="2800" dirty="0"/>
+              <a:t>Most Spending Costumers percentage from these 3 States </a:t>
+            </a:r>
+            <a:endParaRPr lang="en-IN" sz="2800" dirty="0"/>
+          </a:p>
+        </p:txBody>
+      </p:sp>
+    </p:spTree>
+    <p:extLst>
+      <p:ext uri="{BB962C8B-B14F-4D97-AF65-F5344CB8AC3E}">
+        <p14:creationId xmlns:p14="http://schemas.microsoft.com/office/powerpoint/2010/main" val="633918299"/>
+      </p:ext>
+    </p:extLst>
+  </p:cSld>
+  <p:clrMapOvr>
+    <a:masterClrMapping/>
+  </p:clrMapOvr>
+</p:sld>
+</file>
+
+<file path=ppt/slides/slide17.xml><?xml version="1.0" encoding="utf-8"?>
+<p:sld xmlns:a="http://schemas.openxmlformats.org/drawingml/2006/main" xmlns:r="http://schemas.openxmlformats.org/officeDocument/2006/relationships" xmlns:p="http://schemas.openxmlformats.org/presentationml/2006/main">
+  <p:cSld>
+    <p:spTree>
+      <p:nvGrpSpPr>
+        <p:cNvPr id="1" name=""/>
+        <p:cNvGrpSpPr/>
+        <p:nvPr/>
+      </p:nvGrpSpPr>
+      <p:grpSpPr>
+        <a:xfrm>
+          <a:off x="0" y="0"/>
+          <a:ext cx="0" cy="0"/>
+          <a:chOff x="0" y="0"/>
+          <a:chExt cx="0" cy="0"/>
+        </a:xfrm>
+      </p:grpSpPr>
+      <p:pic>
+        <p:nvPicPr>
+          <p:cNvPr id="3" name="Picture 2">
+            <a:extLst>
+              <a:ext uri="{FF2B5EF4-FFF2-40B4-BE49-F238E27FC236}">
+                <a16:creationId xmlns:a16="http://schemas.microsoft.com/office/drawing/2014/main" id="{DF47C802-ACD0-EC07-3A80-FB2BA58AB5D2}"/>
+              </a:ext>
+            </a:extLst>
+          </p:cNvPr>
+          <p:cNvPicPr>
+            <a:picLocks noChangeAspect="1"/>
+          </p:cNvPicPr>
+          <p:nvPr/>
+        </p:nvPicPr>
+        <p:blipFill>
+          <a:blip r:embed="rId2"/>
+          <a:stretch>
+            <a:fillRect/>
+          </a:stretch>
+        </p:blipFill>
+        <p:spPr>
+          <a:xfrm>
+            <a:off x="1071904" y="793625"/>
+            <a:ext cx="10048192" cy="4144135"/>
+          </a:xfrm>
+          <a:prstGeom prst="rect">
+            <a:avLst/>
+          </a:prstGeom>
+        </p:spPr>
+      </p:pic>
+      <p:sp>
+        <p:nvSpPr>
+          <p:cNvPr id="6" name="TextBox 5">
+            <a:extLst>
+              <a:ext uri="{FF2B5EF4-FFF2-40B4-BE49-F238E27FC236}">
+                <a16:creationId xmlns:a16="http://schemas.microsoft.com/office/drawing/2014/main" id="{1B415623-BE04-E42E-1C04-882D1C8F8F91}"/>
+              </a:ext>
+            </a:extLst>
+          </p:cNvPr>
+          <p:cNvSpPr txBox="1"/>
+          <p:nvPr/>
+        </p:nvSpPr>
+        <p:spPr>
+          <a:xfrm>
+            <a:off x="3222571" y="5342374"/>
+            <a:ext cx="5321989" cy="646331"/>
+          </a:xfrm>
+          <a:prstGeom prst="rect">
+            <a:avLst/>
+          </a:prstGeom>
+          <a:noFill/>
+        </p:spPr>
+        <p:txBody>
+          <a:bodyPr wrap="square">
+            <a:spAutoFit/>
+          </a:bodyPr>
+          <a:lstStyle/>
+          <a:p>
+            <a:r>
+              <a:rPr lang="en-US" sz="3600" dirty="0"/>
+              <a:t>Top 5 Purchasing Customers</a:t>
+            </a:r>
+            <a:endParaRPr lang="en-IN" sz="3600" dirty="0"/>
+          </a:p>
+        </p:txBody>
+      </p:sp>
+    </p:spTree>
+    <p:extLst>
+      <p:ext uri="{BB962C8B-B14F-4D97-AF65-F5344CB8AC3E}">
+        <p14:creationId xmlns:p14="http://schemas.microsoft.com/office/powerpoint/2010/main" val="3139808396"/>
+      </p:ext>
+    </p:extLst>
+  </p:cSld>
+  <p:clrMapOvr>
+    <a:masterClrMapping/>
+  </p:clrMapOvr>
+</p:sld>
+</file>
+
+<file path=ppt/slides/slide18.xml><?xml version="1.0" encoding="utf-8"?>
+<p:sld xmlns:a="http://schemas.openxmlformats.org/drawingml/2006/main" xmlns:r="http://schemas.openxmlformats.org/officeDocument/2006/relationships" xmlns:p="http://schemas.openxmlformats.org/presentationml/2006/main">
+  <p:cSld>
+    <p:spTree>
+      <p:nvGrpSpPr>
+        <p:cNvPr id="1" name=""/>
+        <p:cNvGrpSpPr/>
+        <p:nvPr/>
+      </p:nvGrpSpPr>
+      <p:grpSpPr>
+        <a:xfrm>
+          <a:off x="0" y="0"/>
+          <a:ext cx="0" cy="0"/>
+          <a:chOff x="0" y="0"/>
+          <a:chExt cx="0" cy="0"/>
+        </a:xfrm>
+      </p:grpSpPr>
+      <p:sp>
+        <p:nvSpPr>
+          <p:cNvPr id="2" name="Title 1">
+            <a:extLst>
+              <a:ext uri="{FF2B5EF4-FFF2-40B4-BE49-F238E27FC236}">
+                <a16:creationId xmlns:a16="http://schemas.microsoft.com/office/drawing/2014/main" id="{B240689F-D515-D00B-3D9C-DA91FF7C04BF}"/>
+              </a:ext>
+            </a:extLst>
+          </p:cNvPr>
+          <p:cNvSpPr>
+            <a:spLocks noGrp="1"/>
+          </p:cNvSpPr>
+          <p:nvPr>
+            <p:ph type="title"/>
+          </p:nvPr>
+        </p:nvSpPr>
+        <p:spPr>
+          <a:xfrm>
+            <a:off x="1172853" y="777711"/>
+            <a:ext cx="9601196" cy="1303867"/>
+          </a:xfrm>
+        </p:spPr>
+        <p:txBody>
+          <a:bodyPr/>
+          <a:lstStyle/>
+          <a:p>
+            <a:r>
+              <a:rPr lang="en-US" dirty="0"/>
+              <a:t>LOSS ANALYSIS</a:t>
+            </a:r>
+            <a:endParaRPr lang="en-IN" dirty="0"/>
+          </a:p>
+        </p:txBody>
+      </p:sp>
+      <p:pic>
+        <p:nvPicPr>
+          <p:cNvPr id="4" name="Picture 3">
+            <a:extLst>
+              <a:ext uri="{FF2B5EF4-FFF2-40B4-BE49-F238E27FC236}">
+                <a16:creationId xmlns:a16="http://schemas.microsoft.com/office/drawing/2014/main" id="{55DEBEA9-8280-BA29-91D0-C4234A16BCC9}"/>
+              </a:ext>
+            </a:extLst>
+          </p:cNvPr>
+          <p:cNvPicPr>
+            <a:picLocks noChangeAspect="1"/>
+          </p:cNvPicPr>
+          <p:nvPr/>
+        </p:nvPicPr>
+        <p:blipFill>
+          <a:blip r:embed="rId2"/>
+          <a:stretch>
+            <a:fillRect/>
+          </a:stretch>
+        </p:blipFill>
+        <p:spPr>
+          <a:xfrm>
+            <a:off x="904973" y="1929654"/>
+            <a:ext cx="10402104" cy="4150635"/>
+          </a:xfrm>
+          <a:prstGeom prst="rect">
+            <a:avLst/>
+          </a:prstGeom>
+        </p:spPr>
+      </p:pic>
+    </p:spTree>
+    <p:extLst>
+      <p:ext uri="{BB962C8B-B14F-4D97-AF65-F5344CB8AC3E}">
+        <p14:creationId xmlns:p14="http://schemas.microsoft.com/office/powerpoint/2010/main" val="833210535"/>
+      </p:ext>
+    </p:extLst>
+  </p:cSld>
+  <p:clrMapOvr>
+    <a:masterClrMapping/>
+  </p:clrMapOvr>
+</p:sld>
+</file>
+
+<file path=ppt/slides/slide19.xml><?xml version="1.0" encoding="utf-8"?>
+<p:sld xmlns:a="http://schemas.openxmlformats.org/drawingml/2006/main" xmlns:r="http://schemas.openxmlformats.org/officeDocument/2006/relationships" xmlns:p="http://schemas.openxmlformats.org/presentationml/2006/main">
+  <p:cSld>
+    <p:spTree>
+      <p:nvGrpSpPr>
+        <p:cNvPr id="1" name=""/>
+        <p:cNvGrpSpPr/>
+        <p:nvPr/>
+      </p:nvGrpSpPr>
+      <p:grpSpPr>
+        <a:xfrm>
+          <a:off x="0" y="0"/>
+          <a:ext cx="0" cy="0"/>
+          <a:chOff x="0" y="0"/>
+          <a:chExt cx="0" cy="0"/>
+        </a:xfrm>
+      </p:grpSpPr>
+      <p:pic>
+        <p:nvPicPr>
+          <p:cNvPr id="7" name="Picture 6">
+            <a:extLst>
+              <a:ext uri="{FF2B5EF4-FFF2-40B4-BE49-F238E27FC236}">
+                <a16:creationId xmlns:a16="http://schemas.microsoft.com/office/drawing/2014/main" id="{67310D7B-A938-3841-2E1E-216F27E8CC22}"/>
+              </a:ext>
+            </a:extLst>
+          </p:cNvPr>
+          <p:cNvPicPr>
+            <a:picLocks noChangeAspect="1"/>
+          </p:cNvPicPr>
+          <p:nvPr/>
+        </p:nvPicPr>
+        <p:blipFill>
+          <a:blip r:embed="rId2"/>
+          <a:stretch>
+            <a:fillRect/>
+          </a:stretch>
+        </p:blipFill>
+        <p:spPr>
+          <a:xfrm>
+            <a:off x="887691" y="838986"/>
+            <a:ext cx="10416617" cy="3091991"/>
+          </a:xfrm>
+          <a:prstGeom prst="rect">
+            <a:avLst/>
+          </a:prstGeom>
+        </p:spPr>
+      </p:pic>
+      <p:sp>
+        <p:nvSpPr>
+          <p:cNvPr id="8" name="TextBox 7">
+            <a:extLst>
+              <a:ext uri="{FF2B5EF4-FFF2-40B4-BE49-F238E27FC236}">
+                <a16:creationId xmlns:a16="http://schemas.microsoft.com/office/drawing/2014/main" id="{6F366729-9D14-A20B-6DAF-F61414E8EA8B}"/>
+              </a:ext>
+            </a:extLst>
+          </p:cNvPr>
+          <p:cNvSpPr txBox="1"/>
+          <p:nvPr/>
+        </p:nvSpPr>
+        <p:spPr>
+          <a:xfrm>
+            <a:off x="961870" y="4779390"/>
+            <a:ext cx="10268260" cy="461665"/>
+          </a:xfrm>
+          <a:prstGeom prst="rect">
+            <a:avLst/>
+          </a:prstGeom>
+          <a:noFill/>
+        </p:spPr>
+        <p:txBody>
+          <a:bodyPr wrap="none" rtlCol="0">
+            <a:spAutoFit/>
+          </a:bodyPr>
+          <a:lstStyle/>
+          <a:p>
+            <a:r>
+              <a:rPr lang="en-US" sz="2400" dirty="0"/>
+              <a:t>As per the data, need to checkout with Customers in order to fulfil their expectation.</a:t>
+            </a:r>
+          </a:p>
+        </p:txBody>
+      </p:sp>
+    </p:spTree>
+    <p:extLst>
+      <p:ext uri="{BB962C8B-B14F-4D97-AF65-F5344CB8AC3E}">
+        <p14:creationId xmlns:p14="http://schemas.microsoft.com/office/powerpoint/2010/main" val="740154521"/>
+      </p:ext>
+    </p:extLst>
+  </p:cSld>
+  <p:clrMapOvr>
+    <a:masterClrMapping/>
+  </p:clrMapOvr>
+</p:sld>
+</file>
+
+<file path=ppt/slides/slide2.xml><?xml version="1.0" encoding="utf-8"?>
+<p:sld xmlns:a="http://schemas.openxmlformats.org/drawingml/2006/main" xmlns:r="http://schemas.openxmlformats.org/officeDocument/2006/relationships" xmlns:p="http://schemas.openxmlformats.org/presentationml/2006/main">
+  <p:cSld>
+    <p:spTree>
+      <p:nvGrpSpPr>
+        <p:cNvPr id="1" name=""/>
+        <p:cNvGrpSpPr/>
+        <p:nvPr/>
+      </p:nvGrpSpPr>
+      <p:grpSpPr>
+        <a:xfrm>
+          <a:off x="0" y="0"/>
+          <a:ext cx="0" cy="0"/>
+          <a:chOff x="0" y="0"/>
+          <a:chExt cx="0" cy="0"/>
+        </a:xfrm>
+      </p:grpSpPr>
+      <p:sp>
+        <p:nvSpPr>
+          <p:cNvPr id="2" name="Title 1">
+            <a:extLst>
+              <a:ext uri="{FF2B5EF4-FFF2-40B4-BE49-F238E27FC236}">
+                <a16:creationId xmlns:a16="http://schemas.microsoft.com/office/drawing/2014/main" id="{E4CD4B9B-AE29-0428-6152-892C3C067ED8}"/>
+              </a:ext>
+            </a:extLst>
+          </p:cNvPr>
+          <p:cNvSpPr>
+            <a:spLocks noGrp="1"/>
+          </p:cNvSpPr>
+          <p:nvPr>
+            <p:ph type="title"/>
+          </p:nvPr>
+        </p:nvSpPr>
+        <p:spPr>
+          <a:xfrm>
+            <a:off x="1295402" y="1"/>
+            <a:ext cx="9601196" cy="1808480"/>
+          </a:xfrm>
+        </p:spPr>
+        <p:txBody>
+          <a:bodyPr/>
+          <a:lstStyle/>
+          <a:p>
+            <a:r>
+              <a:rPr lang="en-US" dirty="0"/>
+              <a:t>SALES DASHBOARD</a:t>
+            </a:r>
+            <a:endParaRPr lang="en-IN" dirty="0"/>
+          </a:p>
+        </p:txBody>
+      </p:sp>
+      <p:pic>
+        <p:nvPicPr>
+          <p:cNvPr id="4" name="Picture 3">
+            <a:extLst>
+              <a:ext uri="{FF2B5EF4-FFF2-40B4-BE49-F238E27FC236}">
+                <a16:creationId xmlns:a16="http://schemas.microsoft.com/office/drawing/2014/main" id="{B42422B2-DC20-ED81-3003-EE4D792A367F}"/>
+              </a:ext>
+            </a:extLst>
+          </p:cNvPr>
+          <p:cNvPicPr>
+            <a:picLocks noChangeAspect="1"/>
+          </p:cNvPicPr>
+          <p:nvPr/>
+        </p:nvPicPr>
+        <p:blipFill>
+          <a:blip r:embed="rId2"/>
+          <a:stretch>
+            <a:fillRect/>
+          </a:stretch>
+        </p:blipFill>
+        <p:spPr>
+          <a:xfrm>
+            <a:off x="883920" y="1273632"/>
+            <a:ext cx="10434320" cy="4893488"/>
+          </a:xfrm>
+          <a:prstGeom prst="rect">
+            <a:avLst/>
+          </a:prstGeom>
+        </p:spPr>
+      </p:pic>
+    </p:spTree>
+    <p:extLst>
+      <p:ext uri="{BB962C8B-B14F-4D97-AF65-F5344CB8AC3E}">
+        <p14:creationId xmlns:p14="http://schemas.microsoft.com/office/powerpoint/2010/main" val="1108601626"/>
+      </p:ext>
+    </p:extLst>
+  </p:cSld>
+  <p:clrMapOvr>
+    <a:masterClrMapping/>
+  </p:clrMapOvr>
+</p:sld>
+</file>
+
+<file path=ppt/slides/slide20.xml><?xml version="1.0" encoding="utf-8"?>
+<p:sld xmlns:a="http://schemas.openxmlformats.org/drawingml/2006/main" xmlns:r="http://schemas.openxmlformats.org/officeDocument/2006/relationships" xmlns:p="http://schemas.openxmlformats.org/presentationml/2006/main">
+  <p:cSld>
+    <p:spTree>
+      <p:nvGrpSpPr>
+        <p:cNvPr id="1" name=""/>
+        <p:cNvGrpSpPr/>
+        <p:nvPr/>
+      </p:nvGrpSpPr>
+      <p:grpSpPr>
+        <a:xfrm>
+          <a:off x="0" y="0"/>
+          <a:ext cx="0" cy="0"/>
+          <a:chOff x="0" y="0"/>
+          <a:chExt cx="0" cy="0"/>
+        </a:xfrm>
+      </p:grpSpPr>
+      <p:pic>
+        <p:nvPicPr>
+          <p:cNvPr id="6" name="Picture 5">
+            <a:extLst>
+              <a:ext uri="{FF2B5EF4-FFF2-40B4-BE49-F238E27FC236}">
+                <a16:creationId xmlns:a16="http://schemas.microsoft.com/office/drawing/2014/main" id="{8031BAEE-91E4-E5BC-4148-3C5A08FAAD4F}"/>
+              </a:ext>
+            </a:extLst>
+          </p:cNvPr>
+          <p:cNvPicPr>
+            <a:picLocks noChangeAspect="1"/>
+          </p:cNvPicPr>
+          <p:nvPr/>
+        </p:nvPicPr>
+        <p:blipFill>
+          <a:blip r:embed="rId2"/>
+          <a:stretch>
+            <a:fillRect/>
+          </a:stretch>
+        </p:blipFill>
+        <p:spPr>
+          <a:xfrm>
+            <a:off x="2083324" y="742947"/>
+            <a:ext cx="7409468" cy="3961028"/>
+          </a:xfrm>
+          <a:prstGeom prst="rect">
+            <a:avLst/>
+          </a:prstGeom>
+        </p:spPr>
+      </p:pic>
+      <p:sp>
+        <p:nvSpPr>
+          <p:cNvPr id="7" name="TextBox 6">
+            <a:extLst>
+              <a:ext uri="{FF2B5EF4-FFF2-40B4-BE49-F238E27FC236}">
+                <a16:creationId xmlns:a16="http://schemas.microsoft.com/office/drawing/2014/main" id="{3BF7BD6F-5C9A-32BA-8D25-3DA2BA41B868}"/>
+              </a:ext>
+            </a:extLst>
+          </p:cNvPr>
+          <p:cNvSpPr txBox="1"/>
+          <p:nvPr/>
+        </p:nvSpPr>
+        <p:spPr>
+          <a:xfrm>
+            <a:off x="1251564" y="5241303"/>
+            <a:ext cx="9946184" cy="369332"/>
+          </a:xfrm>
+          <a:prstGeom prst="rect">
+            <a:avLst/>
+          </a:prstGeom>
+          <a:noFill/>
+        </p:spPr>
+        <p:txBody>
+          <a:bodyPr wrap="none" rtlCol="0">
+            <a:spAutoFit/>
+          </a:bodyPr>
+          <a:lstStyle/>
+          <a:p>
+            <a:r>
+              <a:rPr lang="en-US" dirty="0"/>
+              <a:t>State wise Analysis show us need to work in some states where there is severe negative imprint with customer.</a:t>
+            </a:r>
+            <a:endParaRPr lang="en-IN" dirty="0"/>
+          </a:p>
+        </p:txBody>
+      </p:sp>
+    </p:spTree>
+    <p:extLst>
+      <p:ext uri="{BB962C8B-B14F-4D97-AF65-F5344CB8AC3E}">
+        <p14:creationId xmlns:p14="http://schemas.microsoft.com/office/powerpoint/2010/main" val="461958263"/>
+      </p:ext>
+    </p:extLst>
+  </p:cSld>
+  <p:clrMapOvr>
+    <a:masterClrMapping/>
+  </p:clrMapOvr>
+</p:sld>
+</file>
+
+<file path=ppt/slides/slide21.xml><?xml version="1.0" encoding="utf-8"?>
+<p:sld xmlns:a="http://schemas.openxmlformats.org/drawingml/2006/main" xmlns:r="http://schemas.openxmlformats.org/officeDocument/2006/relationships" xmlns:p="http://schemas.openxmlformats.org/presentationml/2006/main">
+  <p:cSld>
+    <p:spTree>
+      <p:nvGrpSpPr>
+        <p:cNvPr id="1" name=""/>
+        <p:cNvGrpSpPr/>
+        <p:nvPr/>
+      </p:nvGrpSpPr>
+      <p:grpSpPr>
+        <a:xfrm>
+          <a:off x="0" y="0"/>
+          <a:ext cx="0" cy="0"/>
+          <a:chOff x="0" y="0"/>
+          <a:chExt cx="0" cy="0"/>
+        </a:xfrm>
+      </p:grpSpPr>
+      <p:pic>
+        <p:nvPicPr>
+          <p:cNvPr id="6" name="Picture 5">
+            <a:extLst>
+              <a:ext uri="{FF2B5EF4-FFF2-40B4-BE49-F238E27FC236}">
+                <a16:creationId xmlns:a16="http://schemas.microsoft.com/office/drawing/2014/main" id="{8031BAEE-91E4-E5BC-4148-3C5A08FAAD4F}"/>
+              </a:ext>
+            </a:extLst>
+          </p:cNvPr>
+          <p:cNvPicPr>
+            <a:picLocks noChangeAspect="1"/>
+          </p:cNvPicPr>
+          <p:nvPr/>
+        </p:nvPicPr>
+        <p:blipFill>
+          <a:blip r:embed="rId2"/>
+          <a:stretch>
+            <a:fillRect/>
+          </a:stretch>
+        </p:blipFill>
+        <p:spPr>
+          <a:xfrm>
+            <a:off x="2083324" y="742947"/>
+            <a:ext cx="7409468" cy="3961028"/>
+          </a:xfrm>
+          <a:prstGeom prst="rect">
+            <a:avLst/>
+          </a:prstGeom>
+        </p:spPr>
+      </p:pic>
+      <p:sp>
+        <p:nvSpPr>
+          <p:cNvPr id="7" name="TextBox 6">
+            <a:extLst>
+              <a:ext uri="{FF2B5EF4-FFF2-40B4-BE49-F238E27FC236}">
+                <a16:creationId xmlns:a16="http://schemas.microsoft.com/office/drawing/2014/main" id="{3BF7BD6F-5C9A-32BA-8D25-3DA2BA41B868}"/>
+              </a:ext>
+            </a:extLst>
+          </p:cNvPr>
+          <p:cNvSpPr txBox="1"/>
+          <p:nvPr/>
+        </p:nvSpPr>
+        <p:spPr>
+          <a:xfrm>
+            <a:off x="1251564" y="5241303"/>
+            <a:ext cx="9946184" cy="369332"/>
+          </a:xfrm>
+          <a:prstGeom prst="rect">
+            <a:avLst/>
+          </a:prstGeom>
+          <a:noFill/>
+        </p:spPr>
+        <p:txBody>
+          <a:bodyPr wrap="none" rtlCol="0">
+            <a:spAutoFit/>
+          </a:bodyPr>
+          <a:lstStyle/>
+          <a:p>
+            <a:r>
+              <a:rPr lang="en-US" dirty="0"/>
+              <a:t>State wise Analysis show us need to work in some states where there is severe negative imprint with customer.</a:t>
+            </a:r>
+            <a:endParaRPr lang="en-IN" dirty="0"/>
+          </a:p>
+        </p:txBody>
+      </p:sp>
+    </p:spTree>
+    <p:extLst>
+      <p:ext uri="{BB962C8B-B14F-4D97-AF65-F5344CB8AC3E}">
+        <p14:creationId xmlns:p14="http://schemas.microsoft.com/office/powerpoint/2010/main" val="3836126218"/>
+      </p:ext>
+    </p:extLst>
+  </p:cSld>
+  <p:clrMapOvr>
+    <a:masterClrMapping/>
+  </p:clrMapOvr>
+</p:sld>
+</file>
+
+<file path=ppt/slides/slide22.xml><?xml version="1.0" encoding="utf-8"?>
+<p:sld xmlns:a="http://schemas.openxmlformats.org/drawingml/2006/main" xmlns:r="http://schemas.openxmlformats.org/officeDocument/2006/relationships" xmlns:p="http://schemas.openxmlformats.org/presentationml/2006/main">
+  <p:cSld>
+    <p:spTree>
+      <p:nvGrpSpPr>
+        <p:cNvPr id="1" name=""/>
+        <p:cNvGrpSpPr/>
+        <p:nvPr/>
+      </p:nvGrpSpPr>
+      <p:grpSpPr>
+        <a:xfrm>
+          <a:off x="0" y="0"/>
+          <a:ext cx="0" cy="0"/>
+          <a:chOff x="0" y="0"/>
+          <a:chExt cx="0" cy="0"/>
+        </a:xfrm>
+      </p:grpSpPr>
+      <p:sp>
+        <p:nvSpPr>
+          <p:cNvPr id="7" name="TextBox 6">
+            <a:extLst>
+              <a:ext uri="{FF2B5EF4-FFF2-40B4-BE49-F238E27FC236}">
+                <a16:creationId xmlns:a16="http://schemas.microsoft.com/office/drawing/2014/main" id="{3BF7BD6F-5C9A-32BA-8D25-3DA2BA41B868}"/>
+              </a:ext>
+            </a:extLst>
+          </p:cNvPr>
+          <p:cNvSpPr txBox="1"/>
+          <p:nvPr/>
+        </p:nvSpPr>
+        <p:spPr>
+          <a:xfrm>
+            <a:off x="1073294" y="5312947"/>
+            <a:ext cx="9841797" cy="707886"/>
+          </a:xfrm>
+          <a:prstGeom prst="rect">
+            <a:avLst/>
+          </a:prstGeom>
+          <a:noFill/>
+        </p:spPr>
+        <p:txBody>
+          <a:bodyPr wrap="none" rtlCol="0">
+            <a:spAutoFit/>
+          </a:bodyPr>
+          <a:lstStyle/>
+          <a:p>
+            <a:r>
+              <a:rPr lang="en-US" sz="2000" dirty="0"/>
+              <a:t>Sub-Category Analysis, Copiers tops in terms of profit whereas Machines and Bookcases making</a:t>
+            </a:r>
+          </a:p>
+          <a:p>
+            <a:r>
+              <a:rPr lang="en-US" sz="2000" dirty="0"/>
+              <a:t>negative impact in revenue. </a:t>
+            </a:r>
+            <a:endParaRPr lang="en-IN" sz="2000" dirty="0"/>
+          </a:p>
+        </p:txBody>
+      </p:sp>
+      <p:pic>
+        <p:nvPicPr>
+          <p:cNvPr id="3" name="Picture 2">
+            <a:extLst>
+              <a:ext uri="{FF2B5EF4-FFF2-40B4-BE49-F238E27FC236}">
+                <a16:creationId xmlns:a16="http://schemas.microsoft.com/office/drawing/2014/main" id="{4E6A7B97-5173-79A8-5BB3-0B08B1034ADB}"/>
+              </a:ext>
+            </a:extLst>
+          </p:cNvPr>
+          <p:cNvPicPr>
+            <a:picLocks noChangeAspect="1"/>
+          </p:cNvPicPr>
+          <p:nvPr/>
+        </p:nvPicPr>
+        <p:blipFill>
+          <a:blip r:embed="rId2"/>
+          <a:stretch>
+            <a:fillRect/>
+          </a:stretch>
+        </p:blipFill>
+        <p:spPr>
+          <a:xfrm>
+            <a:off x="1418734" y="670560"/>
+            <a:ext cx="9354531" cy="4356097"/>
+          </a:xfrm>
+          <a:prstGeom prst="rect">
+            <a:avLst/>
+          </a:prstGeom>
+        </p:spPr>
+      </p:pic>
+    </p:spTree>
+    <p:extLst>
+      <p:ext uri="{BB962C8B-B14F-4D97-AF65-F5344CB8AC3E}">
+        <p14:creationId xmlns:p14="http://schemas.microsoft.com/office/powerpoint/2010/main" val="1333246648"/>
+      </p:ext>
+    </p:extLst>
+  </p:cSld>
+  <p:clrMapOvr>
+    <a:masterClrMapping/>
+  </p:clrMapOvr>
+</p:sld>
+</file>
+
+<file path=ppt/slides/slide23.xml><?xml version="1.0" encoding="utf-8"?>
+<p:sld xmlns:a="http://schemas.openxmlformats.org/drawingml/2006/main" xmlns:r="http://schemas.openxmlformats.org/officeDocument/2006/relationships" xmlns:p="http://schemas.openxmlformats.org/presentationml/2006/main">
+  <p:cSld>
+    <p:spTree>
+      <p:nvGrpSpPr>
+        <p:cNvPr id="1" name=""/>
+        <p:cNvGrpSpPr/>
+        <p:nvPr/>
+      </p:nvGrpSpPr>
+      <p:grpSpPr>
+        <a:xfrm>
+          <a:off x="0" y="0"/>
+          <a:ext cx="0" cy="0"/>
+          <a:chOff x="0" y="0"/>
+          <a:chExt cx="0" cy="0"/>
+        </a:xfrm>
+      </p:grpSpPr>
+      <p:sp>
+        <p:nvSpPr>
+          <p:cNvPr id="2" name="TextBox 1">
+            <a:extLst>
+              <a:ext uri="{FF2B5EF4-FFF2-40B4-BE49-F238E27FC236}">
+                <a16:creationId xmlns:a16="http://schemas.microsoft.com/office/drawing/2014/main" id="{523C6535-9BDB-FD63-3619-4558F33A05E4}"/>
+              </a:ext>
+            </a:extLst>
+          </p:cNvPr>
+          <p:cNvSpPr txBox="1"/>
+          <p:nvPr/>
+        </p:nvSpPr>
+        <p:spPr>
+          <a:xfrm>
+            <a:off x="2468880" y="1717040"/>
+            <a:ext cx="6867906" cy="3108543"/>
+          </a:xfrm>
+          <a:prstGeom prst="rect">
+            <a:avLst/>
+          </a:prstGeom>
+          <a:noFill/>
+        </p:spPr>
+        <p:txBody>
+          <a:bodyPr wrap="none" rtlCol="0">
+            <a:spAutoFit/>
+          </a:bodyPr>
+          <a:lstStyle/>
+          <a:p>
+            <a:r>
+              <a:rPr lang="en-US" sz="8800" dirty="0"/>
+              <a:t>THANK YOU</a:t>
+            </a:r>
+          </a:p>
+          <a:p>
+            <a:pPr algn="ctr"/>
+            <a:r>
+              <a:rPr lang="en-US" sz="5400" dirty="0"/>
+              <a:t>By Leon R</a:t>
+            </a:r>
+          </a:p>
+          <a:p>
+            <a:pPr algn="ctr"/>
+            <a:r>
+              <a:rPr lang="en-US" sz="5400" dirty="0"/>
+              <a:t>MBT7</a:t>
+            </a:r>
+            <a:endParaRPr lang="en-IN" sz="5400" dirty="0"/>
+          </a:p>
+        </p:txBody>
+      </p:sp>
+    </p:spTree>
+    <p:extLst>
+      <p:ext uri="{BB962C8B-B14F-4D97-AF65-F5344CB8AC3E}">
+        <p14:creationId xmlns:p14="http://schemas.microsoft.com/office/powerpoint/2010/main" val="2691289518"/>
       </p:ext>
     </p:extLst>
   </p:cSld>
@@ -6058,41 +8151,42 @@
           <a:chExt cx="0" cy="0"/>
         </a:xfrm>
       </p:grpSpPr>
-      <p:sp>
-        <p:nvSpPr>
-          <p:cNvPr id="2" name="Title 1">
+      <p:pic>
+        <p:nvPicPr>
+          <p:cNvPr id="6" name="Picture 5">
             <a:extLst>
               <a:ext uri="{FF2B5EF4-FFF2-40B4-BE49-F238E27FC236}">
-                <a16:creationId xmlns:a16="http://schemas.microsoft.com/office/drawing/2014/main" id="{E19482ED-4087-D5B3-8BB2-B6E1F70CE547}"/>
+                <a16:creationId xmlns:a16="http://schemas.microsoft.com/office/drawing/2014/main" id="{37357730-D3ED-E9C2-A564-BE77A8A6D41D}"/>
               </a:ext>
             </a:extLst>
           </p:cNvPr>
-          <p:cNvSpPr>
-            <a:spLocks noGrp="1"/>
-          </p:cNvSpPr>
-          <p:nvPr>
-            <p:ph type="title"/>
-          </p:nvPr>
-        </p:nvSpPr>
-        <p:spPr/>
-        <p:txBody>
-          <a:bodyPr/>
-          <a:lstStyle/>
-          <a:p>
-            <a:r>
-              <a:rPr lang="en-US" dirty="0"/>
-              <a:t>HIGHLIGHTS OF PROFIT ANALYSIS</a:t>
-            </a:r>
-            <a:endParaRPr lang="en-IN" dirty="0"/>
-          </a:p>
-        </p:txBody>
-      </p:sp>
+          <p:cNvPicPr>
+            <a:picLocks noChangeAspect="1"/>
+          </p:cNvPicPr>
+          <p:nvPr/>
+        </p:nvPicPr>
+        <p:blipFill>
+          <a:blip r:embed="rId2"/>
+          <a:stretch>
+            <a:fillRect/>
+          </a:stretch>
+        </p:blipFill>
+        <p:spPr>
+          <a:xfrm>
+            <a:off x="810705" y="845385"/>
+            <a:ext cx="10435472" cy="2950590"/>
+          </a:xfrm>
+          <a:prstGeom prst="rect">
+            <a:avLst/>
+          </a:prstGeom>
+        </p:spPr>
+      </p:pic>
       <p:sp>
         <p:nvSpPr>
           <p:cNvPr id="3" name="TextBox 2">
             <a:extLst>
               <a:ext uri="{FF2B5EF4-FFF2-40B4-BE49-F238E27FC236}">
-                <a16:creationId xmlns:a16="http://schemas.microsoft.com/office/drawing/2014/main" id="{DD1EE1A2-8318-2E33-7ED4-F56916A8F3DE}"/>
+                <a16:creationId xmlns:a16="http://schemas.microsoft.com/office/drawing/2014/main" id="{A053964C-4582-DA0B-21C7-B0816A1E7638}"/>
               </a:ext>
             </a:extLst>
           </p:cNvPr>
@@ -6101,8 +8195,8 @@
         </p:nvSpPr>
         <p:spPr>
           <a:xfrm>
-            <a:off x="1385741" y="2974156"/>
-            <a:ext cx="9266548" cy="2677656"/>
+            <a:off x="3129367" y="3950512"/>
+            <a:ext cx="6117996" cy="2308324"/>
           </a:xfrm>
           <a:prstGeom prst="rect">
             <a:avLst/>
@@ -6110,77 +8204,79 @@
           <a:noFill/>
         </p:spPr>
         <p:txBody>
-          <a:bodyPr wrap="square" rtlCol="0">
+          <a:bodyPr wrap="square">
             <a:spAutoFit/>
           </a:bodyPr>
           <a:lstStyle/>
           <a:p>
-            <a:pPr marL="457200" indent="-457200">
-              <a:buFont typeface="Arial" panose="020B0604020202020204" pitchFamily="34" charset="0"/>
-              <a:buChar char="•"/>
+            <a:r>
+              <a:rPr lang="en-US" dirty="0"/>
+              <a:t>  These are the top 5 Selling Products from 2011-2014</a:t>
+            </a:r>
+          </a:p>
+          <a:p>
+            <a:pPr marL="800100" lvl="1" indent="-342900">
+              <a:buFont typeface="+mj-lt"/>
+              <a:buAutoNum type="arabicPeriod"/>
             </a:pPr>
             <a:r>
-              <a:rPr lang="en-US" sz="2800" dirty="0"/>
-              <a:t>SUM OF PROFIT BY SEGMENT</a:t>
-            </a:r>
-          </a:p>
-          <a:p>
-            <a:pPr marL="457200" indent="-457200">
-              <a:buFont typeface="Arial" panose="020B0604020202020204" pitchFamily="34" charset="0"/>
-              <a:buChar char="•"/>
+              <a:rPr lang="en-US" dirty="0"/>
+              <a:t>Canon image CLASS 2200 Advanced Copier</a:t>
+            </a:r>
+          </a:p>
+          <a:p>
+            <a:pPr marL="800100" lvl="1" indent="-342900">
+              <a:buFont typeface="+mj-lt"/>
+              <a:buAutoNum type="arabicPeriod"/>
             </a:pPr>
             <a:r>
-              <a:rPr lang="en-US" sz="2800" dirty="0"/>
-              <a:t>SUM OF SALES BY STATE</a:t>
-            </a:r>
-          </a:p>
-          <a:p>
-            <a:pPr marL="457200" indent="-457200">
-              <a:buFont typeface="Arial" panose="020B0604020202020204" pitchFamily="34" charset="0"/>
-              <a:buChar char="•"/>
+              <a:rPr lang="en-US" dirty="0"/>
+              <a:t>High Speed Automatic Electric Letter Opener</a:t>
+            </a:r>
+          </a:p>
+          <a:p>
+            <a:pPr marL="800100" lvl="1" indent="-342900">
+              <a:buFont typeface="+mj-lt"/>
+              <a:buAutoNum type="arabicPeriod"/>
             </a:pPr>
             <a:r>
-              <a:rPr lang="en-US" sz="2800" dirty="0"/>
-              <a:t>SUM OF PROFIT BY YEAR</a:t>
-            </a:r>
-          </a:p>
-          <a:p>
-            <a:pPr marL="457200" indent="-457200">
-              <a:buFont typeface="Arial" panose="020B0604020202020204" pitchFamily="34" charset="0"/>
-              <a:buChar char="•"/>
+              <a:rPr lang="en-US" dirty="0"/>
+              <a:t>Global Troy Executive Leather Low-Back Tilter</a:t>
+            </a:r>
+          </a:p>
+          <a:p>
+            <a:pPr marL="800100" lvl="1" indent="-342900">
+              <a:buFont typeface="+mj-lt"/>
+              <a:buAutoNum type="arabicPeriod"/>
             </a:pPr>
             <a:r>
-              <a:rPr lang="en-US" sz="2800" dirty="0"/>
-              <a:t>SUM OF PROFIT AND SUM OF SALES BY MONTH</a:t>
-            </a:r>
-          </a:p>
-          <a:p>
-            <a:pPr marL="457200" indent="-457200">
-              <a:buFont typeface="Arial" panose="020B0604020202020204" pitchFamily="34" charset="0"/>
-              <a:buChar char="•"/>
+              <a:rPr lang="en-US" dirty="0"/>
+              <a:t>Fellowes PB500 Electric Punch Plastic Comb Binding Machine with Manual Bind</a:t>
+            </a:r>
+          </a:p>
+          <a:p>
+            <a:pPr marL="800100" lvl="1" indent="-342900">
+              <a:buFont typeface="+mj-lt"/>
+              <a:buAutoNum type="arabicPeriod"/>
             </a:pPr>
             <a:r>
-              <a:rPr lang="en-US" sz="2800" dirty="0"/>
-              <a:t>SUM OF SALES BY STATE</a:t>
-            </a:r>
-          </a:p>
-          <a:p>
-            <a:pPr marL="457200" indent="-457200">
-              <a:buFont typeface="Arial" panose="020B0604020202020204" pitchFamily="34" charset="0"/>
-              <a:buChar char="•"/>
+              <a:rPr lang="en-US" dirty="0"/>
+              <a:t>Guest Stacker Chair with Chrome Finish Legs</a:t>
+            </a:r>
+          </a:p>
+          <a:p>
+            <a:pPr marL="342900" indent="-342900">
+              <a:buFont typeface="+mj-lt"/>
+              <a:buAutoNum type="arabicPeriod"/>
             </a:pPr>
-            <a:r>
-              <a:rPr lang="en-US" sz="2800" dirty="0"/>
-              <a:t>SUM OF PROFIT BY SUB CATEGORY</a:t>
-            </a:r>
-            <a:endParaRPr lang="en-IN" sz="2800" dirty="0"/>
+            <a:endParaRPr lang="en-IN" dirty="0"/>
           </a:p>
         </p:txBody>
       </p:sp>
     </p:spTree>
     <p:extLst>
       <p:ext uri="{BB962C8B-B14F-4D97-AF65-F5344CB8AC3E}">
-        <p14:creationId xmlns:p14="http://schemas.microsoft.com/office/powerpoint/2010/main" val="3989286730"/>
+        <p14:creationId xmlns:p14="http://schemas.microsoft.com/office/powerpoint/2010/main" val="3608983043"/>
       </p:ext>
     </p:extLst>
   </p:cSld>
@@ -6209,35 +8305,73 @@
       </p:grpSpPr>
       <p:sp>
         <p:nvSpPr>
-          <p:cNvPr id="2" name="Title 1">
+          <p:cNvPr id="3" name="TextBox 2">
             <a:extLst>
               <a:ext uri="{FF2B5EF4-FFF2-40B4-BE49-F238E27FC236}">
-                <a16:creationId xmlns:a16="http://schemas.microsoft.com/office/drawing/2014/main" id="{55DEEE99-DEAD-5B29-FC98-804C9CA50251}"/>
+                <a16:creationId xmlns:a16="http://schemas.microsoft.com/office/drawing/2014/main" id="{A053964C-4582-DA0B-21C7-B0816A1E7638}"/>
               </a:ext>
             </a:extLst>
           </p:cNvPr>
-          <p:cNvSpPr>
-            <a:spLocks noGrp="1"/>
-          </p:cNvSpPr>
-          <p:nvPr>
-            <p:ph type="title"/>
-          </p:nvPr>
-        </p:nvSpPr>
-        <p:spPr>
-          <a:xfrm>
-            <a:off x="1295402" y="982132"/>
-            <a:ext cx="9601196" cy="884375"/>
-          </a:xfrm>
-        </p:spPr>
-        <p:txBody>
-          <a:bodyPr/>
+          <p:cNvSpPr txBox="1"/>
+          <p:nvPr/>
+        </p:nvSpPr>
+        <p:spPr>
+          <a:xfrm>
+            <a:off x="3037002" y="4685802"/>
+            <a:ext cx="6117996" cy="1631216"/>
+          </a:xfrm>
+          <a:prstGeom prst="rect">
+            <a:avLst/>
+          </a:prstGeom>
+          <a:noFill/>
+        </p:spPr>
+        <p:txBody>
+          <a:bodyPr wrap="square">
+            <a:spAutoFit/>
+          </a:bodyPr>
           <a:lstStyle/>
           <a:p>
             <a:r>
-              <a:rPr lang="en-US" dirty="0"/>
-              <a:t>SALES DASHBOARD</a:t>
-            </a:r>
-            <a:endParaRPr lang="en-IN" dirty="0"/>
+              <a:rPr lang="en-US" sz="2000" dirty="0"/>
+              <a:t>  Category performance from 2011-2014</a:t>
+            </a:r>
+          </a:p>
+          <a:p>
+            <a:pPr marL="800100" lvl="1" indent="-342900">
+              <a:buFont typeface="+mj-lt"/>
+              <a:buAutoNum type="arabicPeriod"/>
+            </a:pPr>
+            <a:r>
+              <a:rPr lang="en-US" sz="2000" dirty="0"/>
+              <a:t>Technology Peaking Up in 2013 &amp; 2014</a:t>
+            </a:r>
+          </a:p>
+          <a:p>
+            <a:pPr marL="800100" lvl="1" indent="-342900">
+              <a:buFont typeface="+mj-lt"/>
+              <a:buAutoNum type="arabicPeriod"/>
+            </a:pPr>
+            <a:r>
+              <a:rPr lang="en-US" sz="2000" dirty="0"/>
+              <a:t>Office Supplies sudden jump in growth</a:t>
+            </a:r>
+          </a:p>
+          <a:p>
+            <a:pPr marL="800100" lvl="1" indent="-342900">
+              <a:buFont typeface="+mj-lt"/>
+              <a:buAutoNum type="arabicPeriod"/>
+            </a:pPr>
+            <a:r>
+              <a:rPr lang="en-US" sz="2000" dirty="0"/>
+              <a:t> Furniture increases gradually</a:t>
+            </a:r>
+          </a:p>
+          <a:p>
+            <a:pPr marL="342900" indent="-342900">
+              <a:buFont typeface="+mj-lt"/>
+              <a:buAutoNum type="arabicPeriod"/>
+            </a:pPr>
+            <a:endParaRPr lang="en-IN" sz="2000" dirty="0"/>
           </a:p>
         </p:txBody>
       </p:sp>
@@ -6246,7 +8380,7 @@
           <p:cNvPr id="4" name="Picture 3">
             <a:extLst>
               <a:ext uri="{FF2B5EF4-FFF2-40B4-BE49-F238E27FC236}">
-                <a16:creationId xmlns:a16="http://schemas.microsoft.com/office/drawing/2014/main" id="{471B8889-B346-E5D2-7A43-AB752DF71B7B}"/>
+                <a16:creationId xmlns:a16="http://schemas.microsoft.com/office/drawing/2014/main" id="{A7676FCF-6918-2287-B760-CA5E6C317A0A}"/>
               </a:ext>
             </a:extLst>
           </p:cNvPr>
@@ -6263,8 +8397,8 @@
         </p:blipFill>
         <p:spPr>
           <a:xfrm>
-            <a:off x="820132" y="2026764"/>
-            <a:ext cx="10576874" cy="4110086"/>
+            <a:off x="895546" y="744719"/>
+            <a:ext cx="10444899" cy="3629318"/>
           </a:xfrm>
           <a:prstGeom prst="rect">
             <a:avLst/>
@@ -6274,7 +8408,7 @@
     </p:spTree>
     <p:extLst>
       <p:ext uri="{BB962C8B-B14F-4D97-AF65-F5344CB8AC3E}">
-        <p14:creationId xmlns:p14="http://schemas.microsoft.com/office/powerpoint/2010/main" val="2574319102"/>
+        <p14:creationId xmlns:p14="http://schemas.microsoft.com/office/powerpoint/2010/main" val="4183346757"/>
       </p:ext>
     </p:extLst>
   </p:cSld>
@@ -6303,39 +8437,10 @@
       </p:grpSpPr>
       <p:sp>
         <p:nvSpPr>
-          <p:cNvPr id="2" name="Title 1">
-            <a:extLst>
-              <a:ext uri="{FF2B5EF4-FFF2-40B4-BE49-F238E27FC236}">
-                <a16:creationId xmlns:a16="http://schemas.microsoft.com/office/drawing/2014/main" id="{639CBEA6-0C75-EDC1-27A3-B011613FE825}"/>
-              </a:ext>
-            </a:extLst>
-          </p:cNvPr>
-          <p:cNvSpPr>
-            <a:spLocks noGrp="1"/>
-          </p:cNvSpPr>
-          <p:nvPr>
-            <p:ph type="title"/>
-          </p:nvPr>
-        </p:nvSpPr>
-        <p:spPr/>
-        <p:txBody>
-          <a:bodyPr/>
-          <a:lstStyle/>
-          <a:p>
-            <a:r>
-              <a:rPr lang="en-US" dirty="0"/>
-              <a:t>HIGHLIGHTS OF SALES ANALYSIS</a:t>
-            </a:r>
-            <a:endParaRPr lang="en-IN" dirty="0"/>
-          </a:p>
-        </p:txBody>
-      </p:sp>
-      <p:sp>
-        <p:nvSpPr>
           <p:cNvPr id="3" name="TextBox 2">
             <a:extLst>
               <a:ext uri="{FF2B5EF4-FFF2-40B4-BE49-F238E27FC236}">
-                <a16:creationId xmlns:a16="http://schemas.microsoft.com/office/drawing/2014/main" id="{78A05FE4-2A39-7F34-7372-651E83CD6C28}"/>
+                <a16:creationId xmlns:a16="http://schemas.microsoft.com/office/drawing/2014/main" id="{A053964C-4582-DA0B-21C7-B0816A1E7638}"/>
               </a:ext>
             </a:extLst>
           </p:cNvPr>
@@ -6344,8 +8449,8 @@
         </p:nvSpPr>
         <p:spPr>
           <a:xfrm>
-            <a:off x="1451728" y="2974156"/>
-            <a:ext cx="9444870" cy="2062103"/>
+            <a:off x="3037002" y="4685802"/>
+            <a:ext cx="6117996" cy="1631216"/>
           </a:xfrm>
           <a:prstGeom prst="rect">
             <a:avLst/>
@@ -6353,56 +8458,620 @@
           <a:noFill/>
         </p:spPr>
         <p:txBody>
+          <a:bodyPr wrap="square">
+            <a:spAutoFit/>
+          </a:bodyPr>
+          <a:lstStyle/>
+          <a:p>
+            <a:r>
+              <a:rPr lang="en-US" sz="2000" dirty="0"/>
+              <a:t>  Category performance from 2011-2014</a:t>
+            </a:r>
+          </a:p>
+          <a:p>
+            <a:pPr marL="800100" lvl="1" indent="-342900">
+              <a:buFont typeface="+mj-lt"/>
+              <a:buAutoNum type="arabicPeriod"/>
+            </a:pPr>
+            <a:r>
+              <a:rPr lang="en-US" sz="2000" dirty="0"/>
+              <a:t>Technology Peaking Up in 2013 &amp; 2014</a:t>
+            </a:r>
+          </a:p>
+          <a:p>
+            <a:pPr marL="800100" lvl="1" indent="-342900">
+              <a:buFont typeface="+mj-lt"/>
+              <a:buAutoNum type="arabicPeriod"/>
+            </a:pPr>
+            <a:r>
+              <a:rPr lang="en-US" sz="2000" dirty="0"/>
+              <a:t>Office Supplies sudden jump in growth</a:t>
+            </a:r>
+          </a:p>
+          <a:p>
+            <a:pPr marL="800100" lvl="1" indent="-342900">
+              <a:buFont typeface="+mj-lt"/>
+              <a:buAutoNum type="arabicPeriod"/>
+            </a:pPr>
+            <a:r>
+              <a:rPr lang="en-US" sz="2000" dirty="0"/>
+              <a:t> Furniture increases gradually</a:t>
+            </a:r>
+          </a:p>
+          <a:p>
+            <a:pPr marL="342900" indent="-342900">
+              <a:buFont typeface="+mj-lt"/>
+              <a:buAutoNum type="arabicPeriod"/>
+            </a:pPr>
+            <a:endParaRPr lang="en-IN" sz="2000" dirty="0"/>
+          </a:p>
+        </p:txBody>
+      </p:sp>
+      <p:pic>
+        <p:nvPicPr>
+          <p:cNvPr id="4" name="Picture 3">
+            <a:extLst>
+              <a:ext uri="{FF2B5EF4-FFF2-40B4-BE49-F238E27FC236}">
+                <a16:creationId xmlns:a16="http://schemas.microsoft.com/office/drawing/2014/main" id="{A7676FCF-6918-2287-B760-CA5E6C317A0A}"/>
+              </a:ext>
+            </a:extLst>
+          </p:cNvPr>
+          <p:cNvPicPr>
+            <a:picLocks noChangeAspect="1"/>
+          </p:cNvPicPr>
+          <p:nvPr/>
+        </p:nvPicPr>
+        <p:blipFill>
+          <a:blip r:embed="rId2"/>
+          <a:stretch>
+            <a:fillRect/>
+          </a:stretch>
+        </p:blipFill>
+        <p:spPr>
+          <a:xfrm>
+            <a:off x="895546" y="744719"/>
+            <a:ext cx="10444899" cy="3629318"/>
+          </a:xfrm>
+          <a:prstGeom prst="rect">
+            <a:avLst/>
+          </a:prstGeom>
+        </p:spPr>
+      </p:pic>
+    </p:spTree>
+    <p:extLst>
+      <p:ext uri="{BB962C8B-B14F-4D97-AF65-F5344CB8AC3E}">
+        <p14:creationId xmlns:p14="http://schemas.microsoft.com/office/powerpoint/2010/main" val="1419719773"/>
+      </p:ext>
+    </p:extLst>
+  </p:cSld>
+  <p:clrMapOvr>
+    <a:masterClrMapping/>
+  </p:clrMapOvr>
+</p:sld>
+</file>
+
+<file path=ppt/slides/slide6.xml><?xml version="1.0" encoding="utf-8"?>
+<p:sld xmlns:a="http://schemas.openxmlformats.org/drawingml/2006/main" xmlns:r="http://schemas.openxmlformats.org/officeDocument/2006/relationships" xmlns:p="http://schemas.openxmlformats.org/presentationml/2006/main">
+  <p:cSld>
+    <p:spTree>
+      <p:nvGrpSpPr>
+        <p:cNvPr id="1" name=""/>
+        <p:cNvGrpSpPr/>
+        <p:nvPr/>
+      </p:nvGrpSpPr>
+      <p:grpSpPr>
+        <a:xfrm>
+          <a:off x="0" y="0"/>
+          <a:ext cx="0" cy="0"/>
+          <a:chOff x="0" y="0"/>
+          <a:chExt cx="0" cy="0"/>
+        </a:xfrm>
+      </p:grpSpPr>
+      <p:sp>
+        <p:nvSpPr>
+          <p:cNvPr id="3" name="TextBox 2">
+            <a:extLst>
+              <a:ext uri="{FF2B5EF4-FFF2-40B4-BE49-F238E27FC236}">
+                <a16:creationId xmlns:a16="http://schemas.microsoft.com/office/drawing/2014/main" id="{A053964C-4582-DA0B-21C7-B0816A1E7638}"/>
+              </a:ext>
+            </a:extLst>
+          </p:cNvPr>
+          <p:cNvSpPr txBox="1"/>
+          <p:nvPr/>
+        </p:nvSpPr>
+        <p:spPr>
+          <a:xfrm>
+            <a:off x="3037002" y="4176754"/>
+            <a:ext cx="6117996" cy="2246769"/>
+          </a:xfrm>
+          <a:prstGeom prst="rect">
+            <a:avLst/>
+          </a:prstGeom>
+          <a:noFill/>
+        </p:spPr>
+        <p:txBody>
+          <a:bodyPr wrap="square">
+            <a:spAutoFit/>
+          </a:bodyPr>
+          <a:lstStyle/>
+          <a:p>
+            <a:r>
+              <a:rPr lang="en-US" sz="2000" dirty="0"/>
+              <a:t>  Top 7 Sub-Category performance from 2011-2014</a:t>
+            </a:r>
+          </a:p>
+          <a:p>
+            <a:pPr marL="800100" lvl="1" indent="-342900">
+              <a:buFont typeface="+mj-lt"/>
+              <a:buAutoNum type="arabicPeriod"/>
+            </a:pPr>
+            <a:r>
+              <a:rPr lang="en-US" sz="2000" dirty="0"/>
+              <a:t>Chairs                                </a:t>
+            </a:r>
+          </a:p>
+          <a:p>
+            <a:pPr marL="800100" lvl="1" indent="-342900">
+              <a:buFont typeface="+mj-lt"/>
+              <a:buAutoNum type="arabicPeriod"/>
+            </a:pPr>
+            <a:r>
+              <a:rPr lang="en-US" sz="2000" dirty="0"/>
+              <a:t>Phones</a:t>
+            </a:r>
+          </a:p>
+          <a:p>
+            <a:pPr marL="800100" lvl="1" indent="-342900">
+              <a:buFont typeface="+mj-lt"/>
+              <a:buAutoNum type="arabicPeriod"/>
+            </a:pPr>
+            <a:r>
+              <a:rPr lang="en-US" sz="2000" dirty="0"/>
+              <a:t>Tables</a:t>
+            </a:r>
+          </a:p>
+          <a:p>
+            <a:pPr marL="800100" lvl="1" indent="-342900">
+              <a:buFont typeface="+mj-lt"/>
+              <a:buAutoNum type="arabicPeriod"/>
+            </a:pPr>
+            <a:r>
+              <a:rPr lang="en-US" sz="2000" dirty="0"/>
+              <a:t>Storage</a:t>
+            </a:r>
+          </a:p>
+          <a:p>
+            <a:pPr marL="800100" lvl="1" indent="-342900">
+              <a:buFont typeface="+mj-lt"/>
+              <a:buAutoNum type="arabicPeriod"/>
+            </a:pPr>
+            <a:r>
+              <a:rPr lang="en-US" sz="2000" dirty="0"/>
+              <a:t>Accessories</a:t>
+            </a:r>
+          </a:p>
+          <a:p>
+            <a:pPr marL="342900" indent="-342900">
+              <a:buFont typeface="+mj-lt"/>
+              <a:buAutoNum type="arabicPeriod"/>
+            </a:pPr>
+            <a:endParaRPr lang="en-IN" sz="2000" dirty="0"/>
+          </a:p>
+        </p:txBody>
+      </p:sp>
+      <p:pic>
+        <p:nvPicPr>
+          <p:cNvPr id="7" name="Picture 6">
+            <a:extLst>
+              <a:ext uri="{FF2B5EF4-FFF2-40B4-BE49-F238E27FC236}">
+                <a16:creationId xmlns:a16="http://schemas.microsoft.com/office/drawing/2014/main" id="{7B109928-8375-B070-6632-0F07364F8D92}"/>
+              </a:ext>
+            </a:extLst>
+          </p:cNvPr>
+          <p:cNvPicPr>
+            <a:picLocks noChangeAspect="1"/>
+          </p:cNvPicPr>
+          <p:nvPr/>
+        </p:nvPicPr>
+        <p:blipFill>
+          <a:blip r:embed="rId2"/>
+          <a:stretch>
+            <a:fillRect/>
+          </a:stretch>
+        </p:blipFill>
+        <p:spPr>
+          <a:xfrm>
+            <a:off x="791851" y="631597"/>
+            <a:ext cx="10567447" cy="3478490"/>
+          </a:xfrm>
+          <a:prstGeom prst="rect">
+            <a:avLst/>
+          </a:prstGeom>
+        </p:spPr>
+      </p:pic>
+      <p:sp>
+        <p:nvSpPr>
+          <p:cNvPr id="8" name="TextBox 7">
+            <a:extLst>
+              <a:ext uri="{FF2B5EF4-FFF2-40B4-BE49-F238E27FC236}">
+                <a16:creationId xmlns:a16="http://schemas.microsoft.com/office/drawing/2014/main" id="{4D1BD13F-9D34-BDA4-2385-7FAFBF8AFF05}"/>
+              </a:ext>
+            </a:extLst>
+          </p:cNvPr>
+          <p:cNvSpPr txBox="1"/>
+          <p:nvPr/>
+        </p:nvSpPr>
+        <p:spPr>
+          <a:xfrm>
+            <a:off x="5396844" y="4534294"/>
+            <a:ext cx="2422689" cy="707886"/>
+          </a:xfrm>
+          <a:prstGeom prst="rect">
+            <a:avLst/>
+          </a:prstGeom>
+          <a:noFill/>
+        </p:spPr>
+        <p:txBody>
           <a:bodyPr wrap="square" rtlCol="0">
             <a:spAutoFit/>
           </a:bodyPr>
           <a:lstStyle/>
           <a:p>
-            <a:pPr marL="457200" indent="-457200">
+            <a:r>
+              <a:rPr lang="en-US" sz="2000" dirty="0"/>
+              <a:t>6. Copies</a:t>
+            </a:r>
+          </a:p>
+          <a:p>
+            <a:r>
+              <a:rPr lang="en-US" sz="2000" dirty="0"/>
+              <a:t>7. Binders</a:t>
+            </a:r>
+            <a:endParaRPr lang="en-IN" sz="2000" dirty="0"/>
+          </a:p>
+        </p:txBody>
+      </p:sp>
+    </p:spTree>
+    <p:extLst>
+      <p:ext uri="{BB962C8B-B14F-4D97-AF65-F5344CB8AC3E}">
+        <p14:creationId xmlns:p14="http://schemas.microsoft.com/office/powerpoint/2010/main" val="3921434842"/>
+      </p:ext>
+    </p:extLst>
+  </p:cSld>
+  <p:clrMapOvr>
+    <a:masterClrMapping/>
+  </p:clrMapOvr>
+</p:sld>
+</file>
+
+<file path=ppt/slides/slide7.xml><?xml version="1.0" encoding="utf-8"?>
+<p:sld xmlns:a="http://schemas.openxmlformats.org/drawingml/2006/main" xmlns:r="http://schemas.openxmlformats.org/officeDocument/2006/relationships" xmlns:p="http://schemas.openxmlformats.org/presentationml/2006/main">
+  <p:cSld>
+    <p:spTree>
+      <p:nvGrpSpPr>
+        <p:cNvPr id="1" name=""/>
+        <p:cNvGrpSpPr/>
+        <p:nvPr/>
+      </p:nvGrpSpPr>
+      <p:grpSpPr>
+        <a:xfrm>
+          <a:off x="0" y="0"/>
+          <a:ext cx="0" cy="0"/>
+          <a:chOff x="0" y="0"/>
+          <a:chExt cx="0" cy="0"/>
+        </a:xfrm>
+      </p:grpSpPr>
+      <p:sp>
+        <p:nvSpPr>
+          <p:cNvPr id="3" name="TextBox 2">
+            <a:extLst>
+              <a:ext uri="{FF2B5EF4-FFF2-40B4-BE49-F238E27FC236}">
+                <a16:creationId xmlns:a16="http://schemas.microsoft.com/office/drawing/2014/main" id="{A053964C-4582-DA0B-21C7-B0816A1E7638}"/>
+              </a:ext>
+            </a:extLst>
+          </p:cNvPr>
+          <p:cNvSpPr txBox="1"/>
+          <p:nvPr/>
+        </p:nvSpPr>
+        <p:spPr>
+          <a:xfrm>
+            <a:off x="876695" y="4308729"/>
+            <a:ext cx="9748886" cy="1569660"/>
+          </a:xfrm>
+          <a:prstGeom prst="rect">
+            <a:avLst/>
+          </a:prstGeom>
+          <a:noFill/>
+        </p:spPr>
+        <p:txBody>
+          <a:bodyPr wrap="square">
+            <a:spAutoFit/>
+          </a:bodyPr>
+          <a:lstStyle/>
+          <a:p>
+            <a:r>
+              <a:rPr lang="en-US" sz="2400" dirty="0"/>
+              <a:t> Sales Graph by Year and Quarter (2011-2014)</a:t>
+            </a:r>
+          </a:p>
+          <a:p>
+            <a:r>
+              <a:rPr lang="en-IN" sz="2400" dirty="0"/>
+              <a:t>         Overall view shows us that Q1 is slowing down on every year and then gradually sales performances increases in Q2 &amp; Q3.  Finally Q4 tops the sales performance in the year end.</a:t>
+            </a:r>
+          </a:p>
+        </p:txBody>
+      </p:sp>
+      <p:pic>
+        <p:nvPicPr>
+          <p:cNvPr id="6" name="Picture 5">
+            <a:extLst>
+              <a:ext uri="{FF2B5EF4-FFF2-40B4-BE49-F238E27FC236}">
+                <a16:creationId xmlns:a16="http://schemas.microsoft.com/office/drawing/2014/main" id="{88570BDB-A62D-6FDF-7686-338950D84A02}"/>
+              </a:ext>
+            </a:extLst>
+          </p:cNvPr>
+          <p:cNvPicPr>
+            <a:picLocks noChangeAspect="1"/>
+          </p:cNvPicPr>
+          <p:nvPr/>
+        </p:nvPicPr>
+        <p:blipFill>
+          <a:blip r:embed="rId2"/>
+          <a:stretch>
+            <a:fillRect/>
+          </a:stretch>
+        </p:blipFill>
+        <p:spPr>
+          <a:xfrm>
+            <a:off x="876694" y="735291"/>
+            <a:ext cx="10397764" cy="3308808"/>
+          </a:xfrm>
+          <a:prstGeom prst="rect">
+            <a:avLst/>
+          </a:prstGeom>
+        </p:spPr>
+      </p:pic>
+    </p:spTree>
+    <p:extLst>
+      <p:ext uri="{BB962C8B-B14F-4D97-AF65-F5344CB8AC3E}">
+        <p14:creationId xmlns:p14="http://schemas.microsoft.com/office/powerpoint/2010/main" val="2907559524"/>
+      </p:ext>
+    </p:extLst>
+  </p:cSld>
+  <p:clrMapOvr>
+    <a:masterClrMapping/>
+  </p:clrMapOvr>
+</p:sld>
+</file>
+
+<file path=ppt/slides/slide8.xml><?xml version="1.0" encoding="utf-8"?>
+<p:sld xmlns:a="http://schemas.openxmlformats.org/drawingml/2006/main" xmlns:r="http://schemas.openxmlformats.org/officeDocument/2006/relationships" xmlns:p="http://schemas.openxmlformats.org/presentationml/2006/main">
+  <p:cSld>
+    <p:spTree>
+      <p:nvGrpSpPr>
+        <p:cNvPr id="1" name=""/>
+        <p:cNvGrpSpPr/>
+        <p:nvPr/>
+      </p:nvGrpSpPr>
+      <p:grpSpPr>
+        <a:xfrm>
+          <a:off x="0" y="0"/>
+          <a:ext cx="0" cy="0"/>
+          <a:chOff x="0" y="0"/>
+          <a:chExt cx="0" cy="0"/>
+        </a:xfrm>
+      </p:grpSpPr>
+      <p:sp>
+        <p:nvSpPr>
+          <p:cNvPr id="3" name="TextBox 2">
+            <a:extLst>
+              <a:ext uri="{FF2B5EF4-FFF2-40B4-BE49-F238E27FC236}">
+                <a16:creationId xmlns:a16="http://schemas.microsoft.com/office/drawing/2014/main" id="{A053964C-4582-DA0B-21C7-B0816A1E7638}"/>
+              </a:ext>
+            </a:extLst>
+          </p:cNvPr>
+          <p:cNvSpPr txBox="1"/>
+          <p:nvPr/>
+        </p:nvSpPr>
+        <p:spPr>
+          <a:xfrm>
+            <a:off x="989817" y="4799831"/>
+            <a:ext cx="9775594" cy="1200329"/>
+          </a:xfrm>
+          <a:prstGeom prst="rect">
+            <a:avLst/>
+          </a:prstGeom>
+          <a:noFill/>
+        </p:spPr>
+        <p:txBody>
+          <a:bodyPr wrap="square">
+            <a:spAutoFit/>
+          </a:bodyPr>
+          <a:lstStyle/>
+          <a:p>
+            <a:r>
+              <a:rPr lang="en-US" sz="2400" dirty="0"/>
+              <a:t> Sales Graph by State(2011-2014)</a:t>
+            </a:r>
+          </a:p>
+          <a:p>
+            <a:r>
+              <a:rPr lang="en-IN" sz="2400" dirty="0"/>
+              <a:t>         California ranks first when it comes to sales where spending economy is more followed by Washington, Arizona, Colorado, Nevada, Utah… so on.</a:t>
+            </a:r>
+          </a:p>
+        </p:txBody>
+      </p:sp>
+      <p:pic>
+        <p:nvPicPr>
+          <p:cNvPr id="4" name="Picture 3">
+            <a:extLst>
+              <a:ext uri="{FF2B5EF4-FFF2-40B4-BE49-F238E27FC236}">
+                <a16:creationId xmlns:a16="http://schemas.microsoft.com/office/drawing/2014/main" id="{627BAE62-4C35-3D28-F73D-42986E02C0CB}"/>
+              </a:ext>
+            </a:extLst>
+          </p:cNvPr>
+          <p:cNvPicPr>
+            <a:picLocks noChangeAspect="1"/>
+          </p:cNvPicPr>
+          <p:nvPr/>
+        </p:nvPicPr>
+        <p:blipFill>
+          <a:blip r:embed="rId2"/>
+          <a:stretch>
+            <a:fillRect/>
+          </a:stretch>
+        </p:blipFill>
+        <p:spPr>
+          <a:xfrm>
+            <a:off x="876695" y="857840"/>
+            <a:ext cx="10397763" cy="3864989"/>
+          </a:xfrm>
+          <a:prstGeom prst="rect">
+            <a:avLst/>
+          </a:prstGeom>
+        </p:spPr>
+      </p:pic>
+    </p:spTree>
+    <p:extLst>
+      <p:ext uri="{BB962C8B-B14F-4D97-AF65-F5344CB8AC3E}">
+        <p14:creationId xmlns:p14="http://schemas.microsoft.com/office/powerpoint/2010/main" val="551310716"/>
+      </p:ext>
+    </p:extLst>
+  </p:cSld>
+  <p:clrMapOvr>
+    <a:masterClrMapping/>
+  </p:clrMapOvr>
+</p:sld>
+</file>
+
+<file path=ppt/slides/slide9.xml><?xml version="1.0" encoding="utf-8"?>
+<p:sld xmlns:a="http://schemas.openxmlformats.org/drawingml/2006/main" xmlns:r="http://schemas.openxmlformats.org/officeDocument/2006/relationships" xmlns:p="http://schemas.openxmlformats.org/presentationml/2006/main">
+  <p:cSld>
+    <p:spTree>
+      <p:nvGrpSpPr>
+        <p:cNvPr id="1" name=""/>
+        <p:cNvGrpSpPr/>
+        <p:nvPr/>
+      </p:nvGrpSpPr>
+      <p:grpSpPr>
+        <a:xfrm>
+          <a:off x="0" y="0"/>
+          <a:ext cx="0" cy="0"/>
+          <a:chOff x="0" y="0"/>
+          <a:chExt cx="0" cy="0"/>
+        </a:xfrm>
+      </p:grpSpPr>
+      <p:sp>
+        <p:nvSpPr>
+          <p:cNvPr id="3" name="TextBox 2">
+            <a:extLst>
+              <a:ext uri="{FF2B5EF4-FFF2-40B4-BE49-F238E27FC236}">
+                <a16:creationId xmlns:a16="http://schemas.microsoft.com/office/drawing/2014/main" id="{A053964C-4582-DA0B-21C7-B0816A1E7638}"/>
+              </a:ext>
+            </a:extLst>
+          </p:cNvPr>
+          <p:cNvSpPr txBox="1"/>
+          <p:nvPr/>
+        </p:nvSpPr>
+        <p:spPr>
+          <a:xfrm>
+            <a:off x="980390" y="4177662"/>
+            <a:ext cx="9775594" cy="2000548"/>
+          </a:xfrm>
+          <a:prstGeom prst="rect">
+            <a:avLst/>
+          </a:prstGeom>
+          <a:noFill/>
+        </p:spPr>
+        <p:txBody>
+          <a:bodyPr wrap="square">
+            <a:spAutoFit/>
+          </a:bodyPr>
+          <a:lstStyle/>
+          <a:p>
+            <a:r>
+              <a:rPr lang="en-US" sz="2400" dirty="0"/>
+              <a:t> </a:t>
+            </a:r>
+            <a:r>
+              <a:rPr lang="en-US" sz="2000" dirty="0"/>
+              <a:t>Sales Chart by Segment (2011-2014)</a:t>
+            </a:r>
+          </a:p>
+          <a:p>
+            <a:r>
+              <a:rPr lang="en-IN" sz="2000" dirty="0"/>
+              <a:t>         Walmart was performed well in between three standards of costumers when it comes sales and revenue.</a:t>
+            </a:r>
+          </a:p>
+          <a:p>
+            <a:pPr marL="342900" indent="-342900">
               <a:buFont typeface="Arial" panose="020B0604020202020204" pitchFamily="34" charset="0"/>
               <a:buChar char="•"/>
             </a:pPr>
             <a:r>
-              <a:rPr lang="en-US" sz="3200" dirty="0"/>
-              <a:t>SUM OF SALES BY YEAR AND CATEGORY</a:t>
-            </a:r>
-          </a:p>
-          <a:p>
-            <a:pPr marL="457200" indent="-457200">
+              <a:rPr lang="en-IN" sz="2000" dirty="0"/>
+              <a:t>Consumer</a:t>
+            </a:r>
+          </a:p>
+          <a:p>
+            <a:pPr marL="342900" indent="-342900">
               <a:buFont typeface="Arial" panose="020B0604020202020204" pitchFamily="34" charset="0"/>
               <a:buChar char="•"/>
             </a:pPr>
             <a:r>
-              <a:rPr lang="en-US" sz="3200" dirty="0"/>
-              <a:t>SUM OF SALES BY PRODUCT NAME</a:t>
-            </a:r>
-          </a:p>
-          <a:p>
-            <a:pPr marL="457200" indent="-457200">
+              <a:rPr lang="en-IN" sz="2000" dirty="0"/>
+              <a:t>Corporate</a:t>
+            </a:r>
+          </a:p>
+          <a:p>
+            <a:pPr marL="342900" indent="-342900">
               <a:buFont typeface="Arial" panose="020B0604020202020204" pitchFamily="34" charset="0"/>
               <a:buChar char="•"/>
             </a:pPr>
             <a:r>
-              <a:rPr lang="en-US" sz="3200" dirty="0"/>
-              <a:t>SUM OF SALES BY STATE</a:t>
-            </a:r>
-          </a:p>
-          <a:p>
-            <a:pPr marL="457200" indent="-457200">
-              <a:buFont typeface="Arial" panose="020B0604020202020204" pitchFamily="34" charset="0"/>
-              <a:buChar char="•"/>
-            </a:pPr>
-            <a:r>
-              <a:rPr lang="en-US" sz="3200" dirty="0"/>
-              <a:t>SUM OF SALES BY YEAR AND QUARTER</a:t>
-            </a:r>
-          </a:p>
-        </p:txBody>
-      </p:sp>
+              <a:rPr lang="en-IN" sz="2000" dirty="0"/>
+              <a:t>Home Office </a:t>
+            </a:r>
+          </a:p>
+        </p:txBody>
+      </p:sp>
+      <p:pic>
+        <p:nvPicPr>
+          <p:cNvPr id="5" name="Picture 4">
+            <a:extLst>
+              <a:ext uri="{FF2B5EF4-FFF2-40B4-BE49-F238E27FC236}">
+                <a16:creationId xmlns:a16="http://schemas.microsoft.com/office/drawing/2014/main" id="{A3800601-931D-5F72-DE96-ECAA13AF112C}"/>
+              </a:ext>
+            </a:extLst>
+          </p:cNvPr>
+          <p:cNvPicPr>
+            <a:picLocks noChangeAspect="1"/>
+          </p:cNvPicPr>
+          <p:nvPr/>
+        </p:nvPicPr>
+        <p:blipFill>
+          <a:blip r:embed="rId2"/>
+          <a:stretch>
+            <a:fillRect/>
+          </a:stretch>
+        </p:blipFill>
+        <p:spPr>
+          <a:xfrm>
+            <a:off x="2582945" y="725864"/>
+            <a:ext cx="6570482" cy="3139126"/>
+          </a:xfrm>
+          <a:prstGeom prst="rect">
+            <a:avLst/>
+          </a:prstGeom>
+        </p:spPr>
+      </p:pic>
     </p:spTree>
     <p:extLst>
       <p:ext uri="{BB962C8B-B14F-4D97-AF65-F5344CB8AC3E}">
-        <p14:creationId xmlns:p14="http://schemas.microsoft.com/office/powerpoint/2010/main" val="346328262"/>
+        <p14:creationId xmlns:p14="http://schemas.microsoft.com/office/powerpoint/2010/main" val="3784061658"/>
       </p:ext>
     </p:extLst>
   </p:cSld>
